--- a/sprint4_clustering/module4_clustering.pptx
+++ b/sprint4_clustering/module4_clustering.pptx
@@ -5,7 +5,7 @@
     <p:sldMasterId id="2147483648" r:id="rId1"/>
   </p:sldMasterIdLst>
   <p:notesMasterIdLst>
-    <p:notesMasterId r:id="rId26"/>
+    <p:notesMasterId r:id="rId25"/>
   </p:notesMasterIdLst>
   <p:sldIdLst>
     <p:sldId id="256" r:id="rId2"/>
@@ -26,12 +26,11 @@
     <p:sldId id="291" r:id="rId17"/>
     <p:sldId id="292" r:id="rId18"/>
     <p:sldId id="293" r:id="rId19"/>
-    <p:sldId id="294" r:id="rId20"/>
-    <p:sldId id="296" r:id="rId21"/>
-    <p:sldId id="295" r:id="rId22"/>
-    <p:sldId id="297" r:id="rId23"/>
-    <p:sldId id="275" r:id="rId24"/>
-    <p:sldId id="298" r:id="rId25"/>
+    <p:sldId id="296" r:id="rId20"/>
+    <p:sldId id="294" r:id="rId21"/>
+    <p:sldId id="297" r:id="rId22"/>
+    <p:sldId id="275" r:id="rId23"/>
+    <p:sldId id="298" r:id="rId24"/>
   </p:sldIdLst>
   <p:sldSz cx="12192000" cy="6858000"/>
   <p:notesSz cx="6858000" cy="9144000"/>
@@ -231,7 +230,7 @@
           <a:p>
             <a:fld id="{06300D0B-80CE-0C46-9F9F-6CEAE6F09C15}" type="datetimeFigureOut">
               <a:rPr lang="en-US" smtClean="0"/>
-              <a:t>3/29/20</a:t>
+              <a:t>3/31/20</a:t>
             </a:fld>
             <a:endParaRPr lang="en-US"/>
           </a:p>
@@ -571,7 +570,7 @@
           <a:p>
             <a:fld id="{81028147-40FC-8D47-B9BB-BE7EC9B0C038}" type="slidenum">
               <a:rPr lang="en-US" smtClean="0"/>
-              <a:t>19</a:t>
+              <a:t>20</a:t>
             </a:fld>
             <a:endParaRPr lang="en-US"/>
           </a:p>
@@ -672,7 +671,7 @@
     </p:spTree>
     <p:extLst>
       <p:ext uri="{BB962C8B-B14F-4D97-AF65-F5344CB8AC3E}">
-        <p14:creationId xmlns:p14="http://schemas.microsoft.com/office/powerpoint/2010/main" val="778039573"/>
+        <p14:creationId xmlns:p14="http://schemas.microsoft.com/office/powerpoint/2010/main" val="2668852444"/>
       </p:ext>
     </p:extLst>
   </p:cSld>
@@ -755,99 +754,7 @@
           <a:p>
             <a:fld id="{81028147-40FC-8D47-B9BB-BE7EC9B0C038}" type="slidenum">
               <a:rPr lang="en-US" smtClean="0"/>
-              <a:t>22</a:t>
-            </a:fld>
-            <a:endParaRPr lang="en-US"/>
-          </a:p>
-        </p:txBody>
-      </p:sp>
-    </p:spTree>
-    <p:extLst>
-      <p:ext uri="{BB962C8B-B14F-4D97-AF65-F5344CB8AC3E}">
-        <p14:creationId xmlns:p14="http://schemas.microsoft.com/office/powerpoint/2010/main" val="2668852444"/>
-      </p:ext>
-    </p:extLst>
-  </p:cSld>
-  <p:clrMapOvr>
-    <a:masterClrMapping/>
-  </p:clrMapOvr>
-</p:notes>
-</file>
-
-<file path=ppt/notesSlides/notesSlide4.xml><?xml version="1.0" encoding="utf-8"?>
-<p:notes xmlns:a="http://schemas.openxmlformats.org/drawingml/2006/main" xmlns:r="http://schemas.openxmlformats.org/officeDocument/2006/relationships" xmlns:p="http://schemas.openxmlformats.org/presentationml/2006/main">
-  <p:cSld>
-    <p:spTree>
-      <p:nvGrpSpPr>
-        <p:cNvPr id="1" name=""/>
-        <p:cNvGrpSpPr/>
-        <p:nvPr/>
-      </p:nvGrpSpPr>
-      <p:grpSpPr>
-        <a:xfrm>
-          <a:off x="0" y="0"/>
-          <a:ext cx="0" cy="0"/>
-          <a:chOff x="0" y="0"/>
-          <a:chExt cx="0" cy="0"/>
-        </a:xfrm>
-      </p:grpSpPr>
-      <p:sp>
-        <p:nvSpPr>
-          <p:cNvPr id="2" name="Slide Image Placeholder 1"/>
-          <p:cNvSpPr>
-            <a:spLocks noGrp="1" noRot="1" noChangeAspect="1"/>
-          </p:cNvSpPr>
-          <p:nvPr>
-            <p:ph type="sldImg"/>
-          </p:nvPr>
-        </p:nvSpPr>
-        <p:spPr/>
-      </p:sp>
-      <p:sp>
-        <p:nvSpPr>
-          <p:cNvPr id="3" name="Notes Placeholder 2"/>
-          <p:cNvSpPr>
-            <a:spLocks noGrp="1"/>
-          </p:cNvSpPr>
-          <p:nvPr>
-            <p:ph type="body" idx="1"/>
-          </p:nvPr>
-        </p:nvSpPr>
-        <p:spPr/>
-        <p:txBody>
-          <a:bodyPr/>
-          <a:lstStyle/>
-          <a:p>
-            <a:r>
-              <a:rPr lang="en-US" dirty="0"/>
-              <a:t>Minimize the </a:t>
-            </a:r>
-            <a:r>
-              <a:rPr lang="en-US" sz="1200" dirty="0"/>
-              <a:t> the sum of squared distances from points to their centroid</a:t>
-            </a:r>
-            <a:endParaRPr lang="en-US" dirty="0"/>
-          </a:p>
-        </p:txBody>
-      </p:sp>
-      <p:sp>
-        <p:nvSpPr>
-          <p:cNvPr id="4" name="Slide Number Placeholder 3"/>
-          <p:cNvSpPr>
-            <a:spLocks noGrp="1"/>
-          </p:cNvSpPr>
-          <p:nvPr>
-            <p:ph type="sldNum" sz="quarter" idx="5"/>
-          </p:nvPr>
-        </p:nvSpPr>
-        <p:spPr/>
-        <p:txBody>
-          <a:bodyPr/>
-          <a:lstStyle/>
-          <a:p>
-            <a:fld id="{81028147-40FC-8D47-B9BB-BE7EC9B0C038}" type="slidenum">
-              <a:rPr lang="en-US" smtClean="0"/>
-              <a:t>24</a:t>
+              <a:t>23</a:t>
             </a:fld>
             <a:endParaRPr lang="en-US"/>
           </a:p>
@@ -1013,7 +920,7 @@
           <a:p>
             <a:fld id="{72ED09F7-DFA5-7F4B-8B47-DAE36D9161CE}" type="datetimeFigureOut">
               <a:rPr lang="en-US" smtClean="0"/>
-              <a:t>3/29/20</a:t>
+              <a:t>3/31/20</a:t>
             </a:fld>
             <a:endParaRPr lang="en-US"/>
           </a:p>
@@ -1211,7 +1118,7 @@
           <a:p>
             <a:fld id="{72ED09F7-DFA5-7F4B-8B47-DAE36D9161CE}" type="datetimeFigureOut">
               <a:rPr lang="en-US" smtClean="0"/>
-              <a:t>3/29/20</a:t>
+              <a:t>3/31/20</a:t>
             </a:fld>
             <a:endParaRPr lang="en-US"/>
           </a:p>
@@ -1419,7 +1326,7 @@
           <a:p>
             <a:fld id="{72ED09F7-DFA5-7F4B-8B47-DAE36D9161CE}" type="datetimeFigureOut">
               <a:rPr lang="en-US" smtClean="0"/>
-              <a:t>3/29/20</a:t>
+              <a:t>3/31/20</a:t>
             </a:fld>
             <a:endParaRPr lang="en-US"/>
           </a:p>
@@ -1617,7 +1524,7 @@
           <a:p>
             <a:fld id="{72ED09F7-DFA5-7F4B-8B47-DAE36D9161CE}" type="datetimeFigureOut">
               <a:rPr lang="en-US" smtClean="0"/>
-              <a:t>3/29/20</a:t>
+              <a:t>3/31/20</a:t>
             </a:fld>
             <a:endParaRPr lang="en-US"/>
           </a:p>
@@ -1892,7 +1799,7 @@
           <a:p>
             <a:fld id="{72ED09F7-DFA5-7F4B-8B47-DAE36D9161CE}" type="datetimeFigureOut">
               <a:rPr lang="en-US" smtClean="0"/>
-              <a:t>3/29/20</a:t>
+              <a:t>3/31/20</a:t>
             </a:fld>
             <a:endParaRPr lang="en-US"/>
           </a:p>
@@ -2157,7 +2064,7 @@
           <a:p>
             <a:fld id="{72ED09F7-DFA5-7F4B-8B47-DAE36D9161CE}" type="datetimeFigureOut">
               <a:rPr lang="en-US" smtClean="0"/>
-              <a:t>3/29/20</a:t>
+              <a:t>3/31/20</a:t>
             </a:fld>
             <a:endParaRPr lang="en-US"/>
           </a:p>
@@ -2569,7 +2476,7 @@
           <a:p>
             <a:fld id="{72ED09F7-DFA5-7F4B-8B47-DAE36D9161CE}" type="datetimeFigureOut">
               <a:rPr lang="en-US" smtClean="0"/>
-              <a:t>3/29/20</a:t>
+              <a:t>3/31/20</a:t>
             </a:fld>
             <a:endParaRPr lang="en-US"/>
           </a:p>
@@ -2710,7 +2617,7 @@
           <a:p>
             <a:fld id="{72ED09F7-DFA5-7F4B-8B47-DAE36D9161CE}" type="datetimeFigureOut">
               <a:rPr lang="en-US" smtClean="0"/>
-              <a:t>3/29/20</a:t>
+              <a:t>3/31/20</a:t>
             </a:fld>
             <a:endParaRPr lang="en-US"/>
           </a:p>
@@ -2823,7 +2730,7 @@
           <a:p>
             <a:fld id="{72ED09F7-DFA5-7F4B-8B47-DAE36D9161CE}" type="datetimeFigureOut">
               <a:rPr lang="en-US" smtClean="0"/>
-              <a:t>3/29/20</a:t>
+              <a:t>3/31/20</a:t>
             </a:fld>
             <a:endParaRPr lang="en-US"/>
           </a:p>
@@ -3134,7 +3041,7 @@
           <a:p>
             <a:fld id="{72ED09F7-DFA5-7F4B-8B47-DAE36D9161CE}" type="datetimeFigureOut">
               <a:rPr lang="en-US" smtClean="0"/>
-              <a:t>3/29/20</a:t>
+              <a:t>3/31/20</a:t>
             </a:fld>
             <a:endParaRPr lang="en-US"/>
           </a:p>
@@ -3422,7 +3329,7 @@
           <a:p>
             <a:fld id="{72ED09F7-DFA5-7F4B-8B47-DAE36D9161CE}" type="datetimeFigureOut">
               <a:rPr lang="en-US" smtClean="0"/>
-              <a:t>3/29/20</a:t>
+              <a:t>3/31/20</a:t>
             </a:fld>
             <a:endParaRPr lang="en-US"/>
           </a:p>
@@ -3663,7 +3570,7 @@
           <a:p>
             <a:fld id="{72ED09F7-DFA5-7F4B-8B47-DAE36D9161CE}" type="datetimeFigureOut">
               <a:rPr lang="en-US" smtClean="0"/>
-              <a:t>3/29/20</a:t>
+              <a:t>3/31/20</a:t>
             </a:fld>
             <a:endParaRPr lang="en-US"/>
           </a:p>
@@ -18328,6 +18235,968 @@
       </p:grpSpPr>
       <p:sp>
         <p:nvSpPr>
+          <p:cNvPr id="2" name="Rectangle 1"/>
+          <p:cNvSpPr/>
+          <p:nvPr/>
+        </p:nvSpPr>
+        <p:spPr>
+          <a:xfrm>
+            <a:off x="0" y="0"/>
+            <a:ext cx="12192000" cy="6858000"/>
+          </a:xfrm>
+          <a:prstGeom prst="rect">
+            <a:avLst/>
+          </a:prstGeom>
+          <a:solidFill>
+            <a:schemeClr val="accent6"/>
+          </a:solidFill>
+          <a:ln>
+            <a:noFill/>
+          </a:ln>
+        </p:spPr>
+        <p:style>
+          <a:lnRef idx="2">
+            <a:schemeClr val="accent1">
+              <a:shade val="50000"/>
+            </a:schemeClr>
+          </a:lnRef>
+          <a:fillRef idx="1">
+            <a:schemeClr val="accent1"/>
+          </a:fillRef>
+          <a:effectRef idx="0">
+            <a:schemeClr val="accent1"/>
+          </a:effectRef>
+          <a:fontRef idx="minor">
+            <a:schemeClr val="lt1"/>
+          </a:fontRef>
+        </p:style>
+        <p:txBody>
+          <a:bodyPr rtlCol="0" anchor="ctr"/>
+          <a:lstStyle/>
+          <a:p>
+            <a:pPr algn="ctr"/>
+            <a:endParaRPr lang="fr-FR" sz="2400"/>
+          </a:p>
+        </p:txBody>
+      </p:sp>
+      <p:sp>
+        <p:nvSpPr>
+          <p:cNvPr id="3" name="Rectangle 2"/>
+          <p:cNvSpPr/>
+          <p:nvPr/>
+        </p:nvSpPr>
+        <p:spPr>
+          <a:xfrm>
+            <a:off x="0" y="6213309"/>
+            <a:ext cx="12192000" cy="644691"/>
+          </a:xfrm>
+          <a:prstGeom prst="rect">
+            <a:avLst/>
+          </a:prstGeom>
+          <a:solidFill>
+            <a:schemeClr val="accent6">
+              <a:lumMod val="50000"/>
+            </a:schemeClr>
+          </a:solidFill>
+          <a:ln>
+            <a:noFill/>
+          </a:ln>
+        </p:spPr>
+        <p:style>
+          <a:lnRef idx="2">
+            <a:schemeClr val="accent1">
+              <a:shade val="50000"/>
+            </a:schemeClr>
+          </a:lnRef>
+          <a:fillRef idx="1">
+            <a:schemeClr val="accent1"/>
+          </a:fillRef>
+          <a:effectRef idx="0">
+            <a:schemeClr val="accent1"/>
+          </a:effectRef>
+          <a:fontRef idx="minor">
+            <a:schemeClr val="lt1"/>
+          </a:fontRef>
+        </p:style>
+        <p:txBody>
+          <a:bodyPr rtlCol="0" anchor="ctr"/>
+          <a:lstStyle/>
+          <a:p>
+            <a:pPr algn="ctr"/>
+            <a:endParaRPr lang="fr-FR" sz="2400"/>
+          </a:p>
+        </p:txBody>
+      </p:sp>
+      <p:sp>
+        <p:nvSpPr>
+          <p:cNvPr id="4" name="ZoneTexte 3"/>
+          <p:cNvSpPr txBox="1"/>
+          <p:nvPr/>
+        </p:nvSpPr>
+        <p:spPr>
+          <a:xfrm>
+            <a:off x="239350" y="6337969"/>
+            <a:ext cx="4831414" cy="420564"/>
+          </a:xfrm>
+          <a:prstGeom prst="rect">
+            <a:avLst/>
+          </a:prstGeom>
+          <a:noFill/>
+        </p:spPr>
+        <p:txBody>
+          <a:bodyPr wrap="square" rtlCol="0">
+            <a:spAutoFit/>
+          </a:bodyPr>
+          <a:lstStyle/>
+          <a:p>
+            <a:r>
+              <a:rPr lang="fr-FR" sz="2133" dirty="0">
+                <a:solidFill>
+                  <a:schemeClr val="bg1"/>
+                </a:solidFill>
+              </a:rPr>
+              <a:t>Sprint 4 – </a:t>
+            </a:r>
+            <a:r>
+              <a:rPr lang="fr-FR" sz="2133" dirty="0" err="1">
+                <a:solidFill>
+                  <a:schemeClr val="bg1"/>
+                </a:solidFill>
+              </a:rPr>
+              <a:t>Clustering</a:t>
+            </a:r>
+            <a:r>
+              <a:rPr lang="fr-FR" sz="2133" dirty="0">
+                <a:solidFill>
+                  <a:schemeClr val="bg1"/>
+                </a:solidFill>
+              </a:rPr>
+              <a:t> and topic </a:t>
+            </a:r>
+            <a:r>
+              <a:rPr lang="fr-FR" sz="2133" dirty="0" err="1">
+                <a:solidFill>
+                  <a:schemeClr val="bg1"/>
+                </a:solidFill>
+              </a:rPr>
+              <a:t>modeling</a:t>
+            </a:r>
+            <a:endParaRPr lang="fr-FR" sz="2133" dirty="0">
+              <a:solidFill>
+                <a:schemeClr val="bg1"/>
+              </a:solidFill>
+            </a:endParaRPr>
+          </a:p>
+        </p:txBody>
+      </p:sp>
+      <p:sp>
+        <p:nvSpPr>
+          <p:cNvPr id="5" name="Espace réservé du contenu 2"/>
+          <p:cNvSpPr txBox="1">
+            <a:spLocks/>
+          </p:cNvSpPr>
+          <p:nvPr/>
+        </p:nvSpPr>
+        <p:spPr>
+          <a:xfrm>
+            <a:off x="143339" y="2560309"/>
+            <a:ext cx="10972800" cy="868692"/>
+          </a:xfrm>
+          <a:prstGeom prst="rect">
+            <a:avLst/>
+          </a:prstGeom>
+        </p:spPr>
+        <p:txBody>
+          <a:bodyPr>
+            <a:normAutofit/>
+          </a:bodyPr>
+          <a:lstStyle>
+            <a:lvl1pPr marL="342900" indent="-342900" algn="l" defTabSz="914400" rtl="0" eaLnBrk="1" latinLnBrk="0" hangingPunct="1">
+              <a:spcBef>
+                <a:spcPct val="20000"/>
+              </a:spcBef>
+              <a:buFont typeface="Arial" panose="020B0604020202020204" pitchFamily="34" charset="0"/>
+              <a:buChar char="•"/>
+              <a:defRPr sz="3200" kern="1200">
+                <a:solidFill>
+                  <a:schemeClr val="tx1"/>
+                </a:solidFill>
+                <a:latin typeface="+mn-lt"/>
+                <a:ea typeface="+mn-ea"/>
+                <a:cs typeface="+mn-cs"/>
+              </a:defRPr>
+            </a:lvl1pPr>
+            <a:lvl2pPr marL="742950" indent="-285750" algn="l" defTabSz="914400" rtl="0" eaLnBrk="1" latinLnBrk="0" hangingPunct="1">
+              <a:spcBef>
+                <a:spcPct val="20000"/>
+              </a:spcBef>
+              <a:buFont typeface="Arial" panose="020B0604020202020204" pitchFamily="34" charset="0"/>
+              <a:buChar char="–"/>
+              <a:defRPr sz="2800" kern="1200">
+                <a:solidFill>
+                  <a:schemeClr val="tx1"/>
+                </a:solidFill>
+                <a:latin typeface="+mn-lt"/>
+                <a:ea typeface="+mn-ea"/>
+                <a:cs typeface="+mn-cs"/>
+              </a:defRPr>
+            </a:lvl2pPr>
+            <a:lvl3pPr marL="1143000" indent="-228600" algn="l" defTabSz="914400" rtl="0" eaLnBrk="1" latinLnBrk="0" hangingPunct="1">
+              <a:spcBef>
+                <a:spcPct val="20000"/>
+              </a:spcBef>
+              <a:buFont typeface="Arial" panose="020B0604020202020204" pitchFamily="34" charset="0"/>
+              <a:buChar char="•"/>
+              <a:defRPr sz="2400" kern="1200">
+                <a:solidFill>
+                  <a:schemeClr val="tx1"/>
+                </a:solidFill>
+                <a:latin typeface="+mn-lt"/>
+                <a:ea typeface="+mn-ea"/>
+                <a:cs typeface="+mn-cs"/>
+              </a:defRPr>
+            </a:lvl3pPr>
+            <a:lvl4pPr marL="1600200" indent="-228600" algn="l" defTabSz="914400" rtl="0" eaLnBrk="1" latinLnBrk="0" hangingPunct="1">
+              <a:spcBef>
+                <a:spcPct val="20000"/>
+              </a:spcBef>
+              <a:buFont typeface="Arial" panose="020B0604020202020204" pitchFamily="34" charset="0"/>
+              <a:buChar char="–"/>
+              <a:defRPr sz="2000" kern="1200">
+                <a:solidFill>
+                  <a:schemeClr val="tx1"/>
+                </a:solidFill>
+                <a:latin typeface="+mn-lt"/>
+                <a:ea typeface="+mn-ea"/>
+                <a:cs typeface="+mn-cs"/>
+              </a:defRPr>
+            </a:lvl4pPr>
+            <a:lvl5pPr marL="2057400" indent="-228600" algn="l" defTabSz="914400" rtl="0" eaLnBrk="1" latinLnBrk="0" hangingPunct="1">
+              <a:spcBef>
+                <a:spcPct val="20000"/>
+              </a:spcBef>
+              <a:buFont typeface="Arial" panose="020B0604020202020204" pitchFamily="34" charset="0"/>
+              <a:buChar char="»"/>
+              <a:defRPr sz="2000" kern="1200">
+                <a:solidFill>
+                  <a:schemeClr val="tx1"/>
+                </a:solidFill>
+                <a:latin typeface="+mn-lt"/>
+                <a:ea typeface="+mn-ea"/>
+                <a:cs typeface="+mn-cs"/>
+              </a:defRPr>
+            </a:lvl5pPr>
+            <a:lvl6pPr marL="2514600" indent="-228600" algn="l" defTabSz="914400" rtl="0" eaLnBrk="1" latinLnBrk="0" hangingPunct="1">
+              <a:spcBef>
+                <a:spcPct val="20000"/>
+              </a:spcBef>
+              <a:buFont typeface="Arial" panose="020B0604020202020204" pitchFamily="34" charset="0"/>
+              <a:buChar char="•"/>
+              <a:defRPr sz="2000" kern="1200">
+                <a:solidFill>
+                  <a:schemeClr val="tx1"/>
+                </a:solidFill>
+                <a:latin typeface="+mn-lt"/>
+                <a:ea typeface="+mn-ea"/>
+                <a:cs typeface="+mn-cs"/>
+              </a:defRPr>
+            </a:lvl6pPr>
+            <a:lvl7pPr marL="2971800" indent="-228600" algn="l" defTabSz="914400" rtl="0" eaLnBrk="1" latinLnBrk="0" hangingPunct="1">
+              <a:spcBef>
+                <a:spcPct val="20000"/>
+              </a:spcBef>
+              <a:buFont typeface="Arial" panose="020B0604020202020204" pitchFamily="34" charset="0"/>
+              <a:buChar char="•"/>
+              <a:defRPr sz="2000" kern="1200">
+                <a:solidFill>
+                  <a:schemeClr val="tx1"/>
+                </a:solidFill>
+                <a:latin typeface="+mn-lt"/>
+                <a:ea typeface="+mn-ea"/>
+                <a:cs typeface="+mn-cs"/>
+              </a:defRPr>
+            </a:lvl7pPr>
+            <a:lvl8pPr marL="3429000" indent="-228600" algn="l" defTabSz="914400" rtl="0" eaLnBrk="1" latinLnBrk="0" hangingPunct="1">
+              <a:spcBef>
+                <a:spcPct val="20000"/>
+              </a:spcBef>
+              <a:buFont typeface="Arial" panose="020B0604020202020204" pitchFamily="34" charset="0"/>
+              <a:buChar char="•"/>
+              <a:defRPr sz="2000" kern="1200">
+                <a:solidFill>
+                  <a:schemeClr val="tx1"/>
+                </a:solidFill>
+                <a:latin typeface="+mn-lt"/>
+                <a:ea typeface="+mn-ea"/>
+                <a:cs typeface="+mn-cs"/>
+              </a:defRPr>
+            </a:lvl8pPr>
+            <a:lvl9pPr marL="3886200" indent="-228600" algn="l" defTabSz="914400" rtl="0" eaLnBrk="1" latinLnBrk="0" hangingPunct="1">
+              <a:spcBef>
+                <a:spcPct val="20000"/>
+              </a:spcBef>
+              <a:buFont typeface="Arial" panose="020B0604020202020204" pitchFamily="34" charset="0"/>
+              <a:buChar char="•"/>
+              <a:defRPr sz="2000" kern="1200">
+                <a:solidFill>
+                  <a:schemeClr val="tx1"/>
+                </a:solidFill>
+                <a:latin typeface="+mn-lt"/>
+                <a:ea typeface="+mn-ea"/>
+                <a:cs typeface="+mn-cs"/>
+              </a:defRPr>
+            </a:lvl9pPr>
+          </a:lstStyle>
+          <a:p>
+            <a:pPr marL="0" indent="0">
+              <a:buNone/>
+            </a:pPr>
+            <a:r>
+              <a:rPr lang="fr-FR" sz="3733" dirty="0">
+                <a:solidFill>
+                  <a:schemeClr val="bg1"/>
+                </a:solidFill>
+              </a:rPr>
+              <a:t>Concepts: Cluster </a:t>
+            </a:r>
+            <a:r>
+              <a:rPr lang="fr-FR" sz="3733" dirty="0" err="1">
+                <a:solidFill>
+                  <a:schemeClr val="bg1"/>
+                </a:solidFill>
+              </a:rPr>
+              <a:t>heterogeneity</a:t>
+            </a:r>
+            <a:endParaRPr lang="fr-FR" sz="3733" dirty="0">
+              <a:solidFill>
+                <a:schemeClr val="bg1"/>
+              </a:solidFill>
+            </a:endParaRPr>
+          </a:p>
+        </p:txBody>
+      </p:sp>
+    </p:spTree>
+    <p:extLst>
+      <p:ext uri="{BB962C8B-B14F-4D97-AF65-F5344CB8AC3E}">
+        <p14:creationId xmlns:p14="http://schemas.microsoft.com/office/powerpoint/2010/main" val="1018096752"/>
+      </p:ext>
+    </p:extLst>
+  </p:cSld>
+  <p:clrMapOvr>
+    <a:masterClrMapping/>
+  </p:clrMapOvr>
+</p:sld>
+</file>
+
+<file path=ppt/slides/slide2.xml><?xml version="1.0" encoding="utf-8"?>
+<p:sld xmlns:a="http://schemas.openxmlformats.org/drawingml/2006/main" xmlns:r="http://schemas.openxmlformats.org/officeDocument/2006/relationships" xmlns:p="http://schemas.openxmlformats.org/presentationml/2006/main">
+  <p:cSld>
+    <p:spTree>
+      <p:nvGrpSpPr>
+        <p:cNvPr id="1" name=""/>
+        <p:cNvGrpSpPr/>
+        <p:nvPr/>
+      </p:nvGrpSpPr>
+      <p:grpSpPr>
+        <a:xfrm>
+          <a:off x="0" y="0"/>
+          <a:ext cx="0" cy="0"/>
+          <a:chOff x="0" y="0"/>
+          <a:chExt cx="0" cy="0"/>
+        </a:xfrm>
+      </p:grpSpPr>
+      <p:sp>
+        <p:nvSpPr>
+          <p:cNvPr id="2" name="Title 1">
+            <a:extLst>
+              <a:ext uri="{FF2B5EF4-FFF2-40B4-BE49-F238E27FC236}">
+                <a16:creationId xmlns:a16="http://schemas.microsoft.com/office/drawing/2014/main" id="{5FD2FB18-0A16-D941-BF91-E1D903799CFB}"/>
+              </a:ext>
+            </a:extLst>
+          </p:cNvPr>
+          <p:cNvSpPr>
+            <a:spLocks noGrp="1"/>
+          </p:cNvSpPr>
+          <p:nvPr>
+            <p:ph type="title"/>
+          </p:nvPr>
+        </p:nvSpPr>
+        <p:spPr>
+          <a:xfrm>
+            <a:off x="990600" y="0"/>
+            <a:ext cx="10515600" cy="1325563"/>
+          </a:xfrm>
+        </p:spPr>
+        <p:txBody>
+          <a:bodyPr/>
+          <a:lstStyle/>
+          <a:p>
+            <a:r>
+              <a:rPr lang="en-US" dirty="0"/>
+              <a:t>Module overview</a:t>
+            </a:r>
+          </a:p>
+        </p:txBody>
+      </p:sp>
+      <p:sp>
+        <p:nvSpPr>
+          <p:cNvPr id="3" name="Content Placeholder 2">
+            <a:extLst>
+              <a:ext uri="{FF2B5EF4-FFF2-40B4-BE49-F238E27FC236}">
+                <a16:creationId xmlns:a16="http://schemas.microsoft.com/office/drawing/2014/main" id="{A956CB73-3E17-3B43-B3AC-C64FC1536AFC}"/>
+              </a:ext>
+            </a:extLst>
+          </p:cNvPr>
+          <p:cNvSpPr>
+            <a:spLocks noGrp="1"/>
+          </p:cNvSpPr>
+          <p:nvPr>
+            <p:ph idx="1"/>
+          </p:nvPr>
+        </p:nvSpPr>
+        <p:spPr>
+          <a:xfrm>
+            <a:off x="1336963" y="1253331"/>
+            <a:ext cx="9518073" cy="1309759"/>
+          </a:xfrm>
+        </p:spPr>
+        <p:style>
+          <a:lnRef idx="2">
+            <a:schemeClr val="accent2"/>
+          </a:lnRef>
+          <a:fillRef idx="1">
+            <a:schemeClr val="lt1"/>
+          </a:fillRef>
+          <a:effectRef idx="0">
+            <a:schemeClr val="accent2"/>
+          </a:effectRef>
+          <a:fontRef idx="minor">
+            <a:schemeClr val="dk1"/>
+          </a:fontRef>
+        </p:style>
+        <p:txBody>
+          <a:bodyPr>
+            <a:normAutofit/>
+          </a:bodyPr>
+          <a:lstStyle/>
+          <a:p>
+            <a:pPr marL="0" indent="0">
+              <a:buNone/>
+            </a:pPr>
+            <a:r>
+              <a:rPr lang="en-US" b="1" dirty="0"/>
+              <a:t>Task: </a:t>
+            </a:r>
+          </a:p>
+          <a:p>
+            <a:pPr lvl="1"/>
+            <a:r>
+              <a:rPr lang="en-US" dirty="0"/>
+              <a:t>Discover groups (clusters) of related articles</a:t>
+            </a:r>
+          </a:p>
+          <a:p>
+            <a:pPr lvl="1"/>
+            <a:r>
+              <a:rPr lang="en-US" dirty="0"/>
+              <a:t>Topic modeling</a:t>
+            </a:r>
+          </a:p>
+        </p:txBody>
+      </p:sp>
+      <p:grpSp>
+        <p:nvGrpSpPr>
+          <p:cNvPr id="4" name="Groupe 11">
+            <a:extLst>
+              <a:ext uri="{FF2B5EF4-FFF2-40B4-BE49-F238E27FC236}">
+                <a16:creationId xmlns:a16="http://schemas.microsoft.com/office/drawing/2014/main" id="{2D04A576-5436-8745-A9C8-98823B178F70}"/>
+              </a:ext>
+            </a:extLst>
+          </p:cNvPr>
+          <p:cNvGrpSpPr/>
+          <p:nvPr/>
+        </p:nvGrpSpPr>
+        <p:grpSpPr>
+          <a:xfrm>
+            <a:off x="-13856" y="6214952"/>
+            <a:ext cx="12205855" cy="643054"/>
+            <a:chOff x="0" y="4661210"/>
+            <a:chExt cx="9144000" cy="482290"/>
+          </a:xfrm>
+        </p:grpSpPr>
+        <p:sp>
+          <p:nvSpPr>
+            <p:cNvPr id="5" name="Rectangle 4">
+              <a:extLst>
+                <a:ext uri="{FF2B5EF4-FFF2-40B4-BE49-F238E27FC236}">
+                  <a16:creationId xmlns:a16="http://schemas.microsoft.com/office/drawing/2014/main" id="{BA408CAF-9DA0-EE49-B8B6-FD1FE582D449}"/>
+                </a:ext>
+              </a:extLst>
+            </p:cNvPr>
+            <p:cNvSpPr/>
+            <p:nvPr/>
+          </p:nvSpPr>
+          <p:spPr>
+            <a:xfrm>
+              <a:off x="0" y="4661210"/>
+              <a:ext cx="9144000" cy="482290"/>
+            </a:xfrm>
+            <a:prstGeom prst="rect">
+              <a:avLst/>
+            </a:prstGeom>
+            <a:solidFill>
+              <a:schemeClr val="tx1">
+                <a:lumMod val="65000"/>
+                <a:lumOff val="35000"/>
+              </a:schemeClr>
+            </a:solidFill>
+            <a:ln>
+              <a:solidFill>
+                <a:schemeClr val="tx1">
+                  <a:lumMod val="65000"/>
+                  <a:lumOff val="35000"/>
+                </a:schemeClr>
+              </a:solidFill>
+            </a:ln>
+          </p:spPr>
+          <p:style>
+            <a:lnRef idx="2">
+              <a:schemeClr val="dk1">
+                <a:shade val="50000"/>
+              </a:schemeClr>
+            </a:lnRef>
+            <a:fillRef idx="1">
+              <a:schemeClr val="dk1"/>
+            </a:fillRef>
+            <a:effectRef idx="0">
+              <a:schemeClr val="dk1"/>
+            </a:effectRef>
+            <a:fontRef idx="minor">
+              <a:schemeClr val="lt1"/>
+            </a:fontRef>
+          </p:style>
+          <p:txBody>
+            <a:bodyPr rtlCol="0" anchor="ctr"/>
+            <a:lstStyle/>
+            <a:p>
+              <a:pPr algn="ctr"/>
+              <a:endParaRPr lang="fr-FR" sz="2400"/>
+            </a:p>
+          </p:txBody>
+        </p:sp>
+        <p:sp>
+          <p:nvSpPr>
+            <p:cNvPr id="6" name="ZoneTexte 10">
+              <a:extLst>
+                <a:ext uri="{FF2B5EF4-FFF2-40B4-BE49-F238E27FC236}">
+                  <a16:creationId xmlns:a16="http://schemas.microsoft.com/office/drawing/2014/main" id="{68A9EB41-91ED-6241-935D-ADF2E43727A3}"/>
+                </a:ext>
+              </a:extLst>
+            </p:cNvPr>
+            <p:cNvSpPr txBox="1"/>
+            <p:nvPr/>
+          </p:nvSpPr>
+          <p:spPr>
+            <a:xfrm>
+              <a:off x="179512" y="4753476"/>
+              <a:ext cx="3650383" cy="315423"/>
+            </a:xfrm>
+            <a:prstGeom prst="rect">
+              <a:avLst/>
+            </a:prstGeom>
+            <a:noFill/>
+            <a:ln>
+              <a:solidFill>
+                <a:schemeClr val="tx1">
+                  <a:lumMod val="65000"/>
+                  <a:lumOff val="35000"/>
+                </a:schemeClr>
+              </a:solidFill>
+            </a:ln>
+          </p:spPr>
+          <p:txBody>
+            <a:bodyPr wrap="square" rtlCol="0">
+              <a:spAutoFit/>
+            </a:bodyPr>
+            <a:lstStyle/>
+            <a:p>
+              <a:r>
+                <a:rPr lang="fr-FR" sz="2133" dirty="0">
+                  <a:solidFill>
+                    <a:schemeClr val="bg1"/>
+                  </a:solidFill>
+                </a:rPr>
+                <a:t>Sprint 4 – </a:t>
+              </a:r>
+              <a:r>
+                <a:rPr lang="fr-FR" sz="2133" dirty="0" err="1">
+                  <a:solidFill>
+                    <a:schemeClr val="bg1"/>
+                  </a:solidFill>
+                </a:rPr>
+                <a:t>Clustering</a:t>
+              </a:r>
+              <a:r>
+                <a:rPr lang="fr-FR" sz="2133" dirty="0">
+                  <a:solidFill>
+                    <a:schemeClr val="bg1"/>
+                  </a:solidFill>
+                </a:rPr>
+                <a:t> and topic </a:t>
+              </a:r>
+              <a:r>
+                <a:rPr lang="fr-FR" sz="2133" dirty="0" err="1">
+                  <a:solidFill>
+                    <a:schemeClr val="bg1"/>
+                  </a:solidFill>
+                </a:rPr>
+                <a:t>modeling</a:t>
+              </a:r>
+              <a:endParaRPr lang="fr-FR" sz="2133" dirty="0">
+                <a:solidFill>
+                  <a:schemeClr val="bg1"/>
+                </a:solidFill>
+              </a:endParaRPr>
+            </a:p>
+          </p:txBody>
+        </p:sp>
+      </p:grpSp>
+      <p:sp>
+        <p:nvSpPr>
+          <p:cNvPr id="7" name="Rectangle 6">
+            <a:extLst>
+              <a:ext uri="{FF2B5EF4-FFF2-40B4-BE49-F238E27FC236}">
+                <a16:creationId xmlns:a16="http://schemas.microsoft.com/office/drawing/2014/main" id="{6EF70F27-8A39-4541-AC53-6B711FDE42ED}"/>
+              </a:ext>
+            </a:extLst>
+          </p:cNvPr>
+          <p:cNvSpPr/>
+          <p:nvPr/>
+        </p:nvSpPr>
+        <p:spPr>
+          <a:xfrm>
+            <a:off x="1039091" y="3009900"/>
+            <a:ext cx="1911927" cy="651164"/>
+          </a:xfrm>
+          <a:prstGeom prst="rect">
+            <a:avLst/>
+          </a:prstGeom>
+          <a:ln>
+            <a:solidFill>
+              <a:schemeClr val="accent6">
+                <a:lumMod val="50000"/>
+              </a:schemeClr>
+            </a:solidFill>
+          </a:ln>
+        </p:spPr>
+        <p:style>
+          <a:lnRef idx="2">
+            <a:schemeClr val="accent6">
+              <a:shade val="50000"/>
+            </a:schemeClr>
+          </a:lnRef>
+          <a:fillRef idx="1">
+            <a:schemeClr val="accent6"/>
+          </a:fillRef>
+          <a:effectRef idx="0">
+            <a:schemeClr val="accent6"/>
+          </a:effectRef>
+          <a:fontRef idx="minor">
+            <a:schemeClr val="lt1"/>
+          </a:fontRef>
+        </p:style>
+        <p:txBody>
+          <a:bodyPr rtlCol="0" anchor="ctr"/>
+          <a:lstStyle/>
+          <a:p>
+            <a:pPr algn="ctr"/>
+            <a:r>
+              <a:rPr lang="en-US" dirty="0"/>
+              <a:t>Core concepts</a:t>
+            </a:r>
+          </a:p>
+        </p:txBody>
+      </p:sp>
+      <p:sp>
+        <p:nvSpPr>
+          <p:cNvPr id="8" name="Rectangle 7">
+            <a:extLst>
+              <a:ext uri="{FF2B5EF4-FFF2-40B4-BE49-F238E27FC236}">
+                <a16:creationId xmlns:a16="http://schemas.microsoft.com/office/drawing/2014/main" id="{4444BF44-A10C-044D-9D87-D573093FDB66}"/>
+              </a:ext>
+            </a:extLst>
+          </p:cNvPr>
+          <p:cNvSpPr/>
+          <p:nvPr/>
+        </p:nvSpPr>
+        <p:spPr>
+          <a:xfrm>
+            <a:off x="5140036" y="3027216"/>
+            <a:ext cx="1911927" cy="651164"/>
+          </a:xfrm>
+          <a:prstGeom prst="rect">
+            <a:avLst/>
+          </a:prstGeom>
+        </p:spPr>
+        <p:style>
+          <a:lnRef idx="2">
+            <a:schemeClr val="accent5">
+              <a:shade val="50000"/>
+            </a:schemeClr>
+          </a:lnRef>
+          <a:fillRef idx="1">
+            <a:schemeClr val="accent5"/>
+          </a:fillRef>
+          <a:effectRef idx="0">
+            <a:schemeClr val="accent5"/>
+          </a:effectRef>
+          <a:fontRef idx="minor">
+            <a:schemeClr val="lt1"/>
+          </a:fontRef>
+        </p:style>
+        <p:txBody>
+          <a:bodyPr rtlCol="0" anchor="ctr"/>
+          <a:lstStyle/>
+          <a:p>
+            <a:pPr algn="ctr"/>
+            <a:r>
+              <a:rPr lang="en-US" dirty="0"/>
+              <a:t>Algorithms and models</a:t>
+            </a:r>
+          </a:p>
+        </p:txBody>
+      </p:sp>
+      <p:sp>
+        <p:nvSpPr>
+          <p:cNvPr id="9" name="Rectangle 8">
+            <a:extLst>
+              <a:ext uri="{FF2B5EF4-FFF2-40B4-BE49-F238E27FC236}">
+                <a16:creationId xmlns:a16="http://schemas.microsoft.com/office/drawing/2014/main" id="{06D78E6C-711D-D74F-87E8-4C5202C55CB6}"/>
+              </a:ext>
+            </a:extLst>
+          </p:cNvPr>
+          <p:cNvSpPr/>
+          <p:nvPr/>
+        </p:nvSpPr>
+        <p:spPr>
+          <a:xfrm>
+            <a:off x="9074726" y="3013364"/>
+            <a:ext cx="1911927" cy="651164"/>
+          </a:xfrm>
+          <a:prstGeom prst="rect">
+            <a:avLst/>
+          </a:prstGeom>
+          <a:solidFill>
+            <a:srgbClr val="7030A0"/>
+          </a:solidFill>
+        </p:spPr>
+        <p:style>
+          <a:lnRef idx="2">
+            <a:schemeClr val="accent1">
+              <a:shade val="50000"/>
+            </a:schemeClr>
+          </a:lnRef>
+          <a:fillRef idx="1">
+            <a:schemeClr val="accent1"/>
+          </a:fillRef>
+          <a:effectRef idx="0">
+            <a:schemeClr val="accent1"/>
+          </a:effectRef>
+          <a:fontRef idx="minor">
+            <a:schemeClr val="lt1"/>
+          </a:fontRef>
+        </p:style>
+        <p:txBody>
+          <a:bodyPr rtlCol="0" anchor="ctr"/>
+          <a:lstStyle/>
+          <a:p>
+            <a:pPr algn="ctr"/>
+            <a:r>
+              <a:rPr lang="en-US" dirty="0"/>
+              <a:t>Implementation on real dataset</a:t>
+            </a:r>
+          </a:p>
+        </p:txBody>
+      </p:sp>
+      <p:sp>
+        <p:nvSpPr>
+          <p:cNvPr id="10" name="TextBox 9">
+            <a:extLst>
+              <a:ext uri="{FF2B5EF4-FFF2-40B4-BE49-F238E27FC236}">
+                <a16:creationId xmlns:a16="http://schemas.microsoft.com/office/drawing/2014/main" id="{D788A997-BEC1-014C-9DCB-034338E8121F}"/>
+              </a:ext>
+            </a:extLst>
+          </p:cNvPr>
+          <p:cNvSpPr txBox="1"/>
+          <p:nvPr/>
+        </p:nvSpPr>
+        <p:spPr>
+          <a:xfrm>
+            <a:off x="1177636" y="3692230"/>
+            <a:ext cx="2895600" cy="646331"/>
+          </a:xfrm>
+          <a:prstGeom prst="rect">
+            <a:avLst/>
+          </a:prstGeom>
+          <a:noFill/>
+        </p:spPr>
+        <p:txBody>
+          <a:bodyPr wrap="square" rtlCol="0">
+            <a:spAutoFit/>
+          </a:bodyPr>
+          <a:lstStyle/>
+          <a:p>
+            <a:pPr marL="285750" indent="-285750">
+              <a:buFont typeface="Arial" panose="020B0604020202020204" pitchFamily="34" charset="0"/>
+              <a:buChar char="•"/>
+            </a:pPr>
+            <a:r>
+              <a:rPr lang="en-US" dirty="0"/>
+              <a:t>Unsupervised learning</a:t>
+            </a:r>
+          </a:p>
+          <a:p>
+            <a:pPr marL="285750" indent="-285750">
+              <a:buFont typeface="Arial" panose="020B0604020202020204" pitchFamily="34" charset="0"/>
+              <a:buChar char="•"/>
+            </a:pPr>
+            <a:r>
+              <a:rPr lang="en-US" dirty="0"/>
+              <a:t>Cluster heterogeneity</a:t>
+            </a:r>
+          </a:p>
+        </p:txBody>
+      </p:sp>
+      <p:sp>
+        <p:nvSpPr>
+          <p:cNvPr id="11" name="TextBox 10">
+            <a:extLst>
+              <a:ext uri="{FF2B5EF4-FFF2-40B4-BE49-F238E27FC236}">
+                <a16:creationId xmlns:a16="http://schemas.microsoft.com/office/drawing/2014/main" id="{52E2D321-5773-EC42-B1DF-96F72F8FB287}"/>
+              </a:ext>
+            </a:extLst>
+          </p:cNvPr>
+          <p:cNvSpPr txBox="1"/>
+          <p:nvPr/>
+        </p:nvSpPr>
+        <p:spPr>
+          <a:xfrm>
+            <a:off x="5237019" y="3706087"/>
+            <a:ext cx="2895600" cy="646331"/>
+          </a:xfrm>
+          <a:prstGeom prst="rect">
+            <a:avLst/>
+          </a:prstGeom>
+          <a:noFill/>
+        </p:spPr>
+        <p:txBody>
+          <a:bodyPr wrap="square" rtlCol="0">
+            <a:spAutoFit/>
+          </a:bodyPr>
+          <a:lstStyle/>
+          <a:p>
+            <a:pPr marL="285750" indent="-285750">
+              <a:buFont typeface="Arial" panose="020B0604020202020204" pitchFamily="34" charset="0"/>
+              <a:buChar char="•"/>
+            </a:pPr>
+            <a:r>
+              <a:rPr lang="en-US" dirty="0"/>
+              <a:t>K-means</a:t>
+            </a:r>
+          </a:p>
+          <a:p>
+            <a:pPr marL="285750" indent="-285750">
+              <a:buFont typeface="Arial" panose="020B0604020202020204" pitchFamily="34" charset="0"/>
+              <a:buChar char="•"/>
+            </a:pPr>
+            <a:r>
+              <a:rPr lang="en-US" dirty="0"/>
+              <a:t>LDA</a:t>
+            </a:r>
+          </a:p>
+        </p:txBody>
+      </p:sp>
+      <p:sp>
+        <p:nvSpPr>
+          <p:cNvPr id="12" name="TextBox 11">
+            <a:extLst>
+              <a:ext uri="{FF2B5EF4-FFF2-40B4-BE49-F238E27FC236}">
+                <a16:creationId xmlns:a16="http://schemas.microsoft.com/office/drawing/2014/main" id="{1D8B34A3-A180-D547-A588-83683E8AC627}"/>
+              </a:ext>
+            </a:extLst>
+          </p:cNvPr>
+          <p:cNvSpPr txBox="1"/>
+          <p:nvPr/>
+        </p:nvSpPr>
+        <p:spPr>
+          <a:xfrm>
+            <a:off x="9296400" y="3694696"/>
+            <a:ext cx="2895600" cy="646331"/>
+          </a:xfrm>
+          <a:prstGeom prst="rect">
+            <a:avLst/>
+          </a:prstGeom>
+          <a:noFill/>
+        </p:spPr>
+        <p:txBody>
+          <a:bodyPr wrap="square" rtlCol="0">
+            <a:spAutoFit/>
+          </a:bodyPr>
+          <a:lstStyle/>
+          <a:p>
+            <a:pPr marL="285750" indent="-285750">
+              <a:buFont typeface="Arial" panose="020B0604020202020204" pitchFamily="34" charset="0"/>
+              <a:buChar char="•"/>
+            </a:pPr>
+            <a:r>
+              <a:rPr lang="en-US" dirty="0"/>
+              <a:t>Wikipedia</a:t>
+            </a:r>
+          </a:p>
+          <a:p>
+            <a:pPr marL="285750" indent="-285750">
+              <a:buFont typeface="Arial" panose="020B0604020202020204" pitchFamily="34" charset="0"/>
+              <a:buChar char="•"/>
+            </a:pPr>
+            <a:r>
+              <a:rPr lang="en-US" dirty="0"/>
+              <a:t>metagenomes</a:t>
+            </a:r>
+          </a:p>
+        </p:txBody>
+      </p:sp>
+    </p:spTree>
+    <p:extLst>
+      <p:ext uri="{BB962C8B-B14F-4D97-AF65-F5344CB8AC3E}">
+        <p14:creationId xmlns:p14="http://schemas.microsoft.com/office/powerpoint/2010/main" val="2509652006"/>
+      </p:ext>
+    </p:extLst>
+  </p:cSld>
+  <p:clrMapOvr>
+    <a:masterClrMapping/>
+  </p:clrMapOvr>
+</p:sld>
+</file>
+
+<file path=ppt/slides/slide20.xml><?xml version="1.0" encoding="utf-8"?>
+<p:sld xmlns:a="http://schemas.openxmlformats.org/drawingml/2006/main" xmlns:r="http://schemas.openxmlformats.org/officeDocument/2006/relationships" xmlns:p="http://schemas.openxmlformats.org/presentationml/2006/main">
+  <p:cSld>
+    <p:spTree>
+      <p:nvGrpSpPr>
+        <p:cNvPr id="1" name=""/>
+        <p:cNvGrpSpPr/>
+        <p:nvPr/>
+      </p:nvGrpSpPr>
+      <p:grpSpPr>
+        <a:xfrm>
+          <a:off x="0" y="0"/>
+          <a:ext cx="0" cy="0"/>
+          <a:chOff x="0" y="0"/>
+          <a:chExt cx="0" cy="0"/>
+        </a:xfrm>
+      </p:grpSpPr>
+      <p:sp>
+        <p:nvSpPr>
           <p:cNvPr id="2" name="Title 1">
             <a:extLst>
               <a:ext uri="{FF2B5EF4-FFF2-40B4-BE49-F238E27FC236}">
@@ -18411,7 +19280,7 @@
                 </a:pPr>
                 <a:r>
                   <a:rPr lang="en-US" sz="2400" dirty="0"/>
-                  <a:t>K-means is trying to minimize the sum of squared distances: </a:t>
+                  <a:t>K-means is trying to minimize the sum of squared distances (called inertia): </a:t>
                 </a:r>
               </a:p>
               <a:p>
@@ -18421,164 +19290,163 @@
                 <a:endParaRPr lang="en-US" sz="1050" dirty="0"/>
               </a:p>
               <a:p>
-                <a:pPr marL="0" indent="0">
+                <a:pPr marL="0" indent="0" algn="ctr">
                   <a:buNone/>
                 </a:pPr>
+                <a:r>
+                  <a:rPr lang="en-US" sz="2000" dirty="0"/>
+                  <a:t>Inertia = </a:t>
+                </a:r>
                 <a14:m>
-                  <m:oMathPara xmlns:m="http://schemas.openxmlformats.org/officeDocument/2006/math">
-                    <m:oMathParaPr>
-                      <m:jc m:val="centerGroup"/>
-                    </m:oMathParaPr>
-                    <m:oMath xmlns:m="http://schemas.openxmlformats.org/officeDocument/2006/math">
-                      <m:nary>
-                        <m:naryPr>
-                          <m:chr m:val="∑"/>
-                          <m:ctrlPr>
-                            <a:rPr lang="en-US" sz="2000" i="1" smtClean="0">
-                              <a:latin typeface="Cambria Math" panose="02040503050406030204" pitchFamily="18" charset="0"/>
-                            </a:rPr>
-                          </m:ctrlPr>
-                        </m:naryPr>
-                        <m:sub>
-                          <m:r>
-                            <m:rPr>
-                              <m:brk m:alnAt="23"/>
-                            </m:rPr>
-                            <a:rPr lang="fr-FR" sz="2000" b="0" i="1" smtClean="0">
-                              <a:latin typeface="Cambria Math" panose="02040503050406030204" pitchFamily="18" charset="0"/>
-                            </a:rPr>
-                            <m:t>𝑗</m:t>
-                          </m:r>
-                          <m:r>
-                            <a:rPr lang="fr-FR" sz="2000" b="0" i="1" smtClean="0">
-                              <a:latin typeface="Cambria Math" panose="02040503050406030204" pitchFamily="18" charset="0"/>
-                            </a:rPr>
-                            <m:t>=1</m:t>
-                          </m:r>
-                        </m:sub>
-                        <m:sup>
-                          <m:r>
-                            <a:rPr lang="fr-FR" sz="2000" b="0" i="1" smtClean="0">
-                              <a:latin typeface="Cambria Math" panose="02040503050406030204" pitchFamily="18" charset="0"/>
-                            </a:rPr>
-                            <m:t>𝑘</m:t>
-                          </m:r>
-                        </m:sup>
-                        <m:e>
-                          <m:nary>
-                            <m:naryPr>
-                              <m:chr m:val="∑"/>
-                              <m:supHide m:val="on"/>
-                              <m:ctrlPr>
-                                <a:rPr lang="en-US" sz="2000" i="1" smtClean="0">
-                                  <a:latin typeface="Cambria Math" panose="02040503050406030204" pitchFamily="18" charset="0"/>
-                                </a:rPr>
-                              </m:ctrlPr>
-                            </m:naryPr>
-                            <m:sub>
-                              <m:r>
-                                <m:rPr>
-                                  <m:brk m:alnAt="7"/>
-                                </m:rPr>
-                                <a:rPr lang="fr-FR" sz="2000" b="0" i="1" smtClean="0">
-                                  <a:latin typeface="Cambria Math" panose="02040503050406030204" pitchFamily="18" charset="0"/>
-                                </a:rPr>
-                                <m:t>𝑖</m:t>
-                              </m:r>
-                              <m:r>
-                                <a:rPr lang="fr-FR" sz="2000" b="0" i="1" smtClean="0">
-                                  <a:latin typeface="Cambria Math" panose="02040503050406030204" pitchFamily="18" charset="0"/>
-                                </a:rPr>
-                                <m:t>:</m:t>
-                              </m:r>
-                              <m:r>
-                                <a:rPr lang="fr-FR" sz="2000" b="0" i="1" smtClean="0">
-                                  <a:latin typeface="Cambria Math" panose="02040503050406030204" pitchFamily="18" charset="0"/>
-                                </a:rPr>
-                                <m:t>𝑧𝑖</m:t>
-                              </m:r>
-                              <m:r>
-                                <a:rPr lang="fr-FR" sz="2000" b="0" i="1" smtClean="0">
-                                  <a:latin typeface="Cambria Math" panose="02040503050406030204" pitchFamily="18" charset="0"/>
-                                </a:rPr>
-                                <m:t>=</m:t>
-                              </m:r>
-                              <m:r>
-                                <a:rPr lang="fr-FR" sz="2000" b="0" i="1" smtClean="0">
-                                  <a:latin typeface="Cambria Math" panose="02040503050406030204" pitchFamily="18" charset="0"/>
-                                </a:rPr>
-                                <m:t>𝑗</m:t>
-                              </m:r>
-                            </m:sub>
-                            <m:sup/>
-                            <m:e>
-                              <m:r>
-                                <a:rPr lang="fr-FR" sz="2000" i="1">
-                                  <a:latin typeface="Cambria Math" panose="02040503050406030204" pitchFamily="18" charset="0"/>
-                                </a:rPr>
-                                <m:t>|</m:t>
-                              </m:r>
-                              <m:d>
-                                <m:dPr>
-                                  <m:begChr m:val="|"/>
-                                  <m:endChr m:val="|"/>
-                                  <m:ctrlPr>
-                                    <a:rPr lang="fr-FR" sz="2000" i="1">
-                                      <a:latin typeface="Cambria Math" panose="02040503050406030204" pitchFamily="18" charset="0"/>
-                                    </a:rPr>
-                                  </m:ctrlPr>
-                                </m:dPr>
-                                <m:e>
-                                  <m:r>
-                                    <a:rPr lang="fr-FR" sz="2000" i="1">
-                                      <a:latin typeface="Cambria Math" panose="02040503050406030204" pitchFamily="18" charset="0"/>
-                                    </a:rPr>
-                                    <m:t>𝜇</m:t>
-                                  </m:r>
-                                  <m:r>
-                                    <a:rPr lang="fr-FR" sz="2000" i="1" baseline="-25000">
-                                      <a:latin typeface="Cambria Math" panose="02040503050406030204" pitchFamily="18" charset="0"/>
-                                    </a:rPr>
-                                    <m:t>𝑗</m:t>
-                                  </m:r>
-                                  <m:r>
-                                    <a:rPr lang="fr-FR" sz="2000" i="1" baseline="-25000">
-                                      <a:latin typeface="Cambria Math" panose="02040503050406030204" pitchFamily="18" charset="0"/>
-                                    </a:rPr>
-                                    <m:t> −</m:t>
-                                  </m:r>
-                                  <m:r>
-                                    <a:rPr lang="fr-FR" sz="2000" i="1">
-                                      <a:latin typeface="Cambria Math" panose="02040503050406030204" pitchFamily="18" charset="0"/>
-                                    </a:rPr>
-                                    <m:t>𝑥</m:t>
-                                  </m:r>
-                                  <m:r>
-                                    <a:rPr lang="fr-FR" sz="2000" i="1" baseline="-25000">
-                                      <a:latin typeface="Cambria Math" panose="02040503050406030204" pitchFamily="18" charset="0"/>
-                                    </a:rPr>
-                                    <m:t>𝑖</m:t>
-                                  </m:r>
-                                </m:e>
-                              </m:d>
-                              <m:r>
-                                <a:rPr lang="fr-FR" sz="2000" i="1">
-                                  <a:latin typeface="Cambria Math" panose="02040503050406030204" pitchFamily="18" charset="0"/>
-                                </a:rPr>
-                                <m:t>|</m:t>
-                              </m:r>
-                              <m:r>
-                                <a:rPr lang="fr-FR" sz="2000" b="0" i="1" baseline="30000" smtClean="0">
-                                  <a:latin typeface="Cambria Math" panose="02040503050406030204" pitchFamily="18" charset="0"/>
-                                </a:rPr>
-                                <m:t>2</m:t>
-                              </m:r>
-                            </m:e>
-                          </m:nary>
-                        </m:e>
-                      </m:nary>
-                    </m:oMath>
-                  </m:oMathPara>
+                  <m:oMath xmlns:m="http://schemas.openxmlformats.org/officeDocument/2006/math">
+                    <m:nary>
+                      <m:naryPr>
+                        <m:chr m:val="∑"/>
+                        <m:ctrlPr>
+                          <a:rPr lang="en-US" sz="2000" i="1" smtClean="0">
+                            <a:latin typeface="Cambria Math" panose="02040503050406030204" pitchFamily="18" charset="0"/>
+                          </a:rPr>
+                        </m:ctrlPr>
+                      </m:naryPr>
+                      <m:sub>
+                        <m:r>
+                          <m:rPr>
+                            <m:brk m:alnAt="23"/>
+                          </m:rPr>
+                          <a:rPr lang="fr-FR" sz="2000" b="0" i="1" smtClean="0">
+                            <a:latin typeface="Cambria Math" panose="02040503050406030204" pitchFamily="18" charset="0"/>
+                          </a:rPr>
+                          <m:t>𝑗</m:t>
+                        </m:r>
+                        <m:r>
+                          <a:rPr lang="fr-FR" sz="2000" b="0" i="1" smtClean="0">
+                            <a:latin typeface="Cambria Math" panose="02040503050406030204" pitchFamily="18" charset="0"/>
+                          </a:rPr>
+                          <m:t>=1</m:t>
+                        </m:r>
+                      </m:sub>
+                      <m:sup>
+                        <m:r>
+                          <a:rPr lang="fr-FR" sz="2000" b="0" i="1" smtClean="0">
+                            <a:latin typeface="Cambria Math" panose="02040503050406030204" pitchFamily="18" charset="0"/>
+                          </a:rPr>
+                          <m:t>𝑘</m:t>
+                        </m:r>
+                      </m:sup>
+                      <m:e>
+                        <m:nary>
+                          <m:naryPr>
+                            <m:chr m:val="∑"/>
+                            <m:supHide m:val="on"/>
+                            <m:ctrlPr>
+                              <a:rPr lang="en-US" sz="2000" i="1" smtClean="0">
+                                <a:latin typeface="Cambria Math" panose="02040503050406030204" pitchFamily="18" charset="0"/>
+                              </a:rPr>
+                            </m:ctrlPr>
+                          </m:naryPr>
+                          <m:sub>
+                            <m:r>
+                              <m:rPr>
+                                <m:brk m:alnAt="7"/>
+                              </m:rPr>
+                              <a:rPr lang="fr-FR" sz="2000" b="0" i="1" smtClean="0">
+                                <a:latin typeface="Cambria Math" panose="02040503050406030204" pitchFamily="18" charset="0"/>
+                              </a:rPr>
+                              <m:t>𝑖</m:t>
+                            </m:r>
+                            <m:r>
+                              <a:rPr lang="fr-FR" sz="2000" b="0" i="1" smtClean="0">
+                                <a:latin typeface="Cambria Math" panose="02040503050406030204" pitchFamily="18" charset="0"/>
+                              </a:rPr>
+                              <m:t>:</m:t>
+                            </m:r>
+                            <m:r>
+                              <a:rPr lang="fr-FR" sz="2000" b="0" i="1" smtClean="0">
+                                <a:latin typeface="Cambria Math" panose="02040503050406030204" pitchFamily="18" charset="0"/>
+                              </a:rPr>
+                              <m:t>𝑧𝑖</m:t>
+                            </m:r>
+                            <m:r>
+                              <a:rPr lang="fr-FR" sz="2000" b="0" i="1" smtClean="0">
+                                <a:latin typeface="Cambria Math" panose="02040503050406030204" pitchFamily="18" charset="0"/>
+                              </a:rPr>
+                              <m:t>=</m:t>
+                            </m:r>
+                            <m:r>
+                              <a:rPr lang="fr-FR" sz="2000" b="0" i="1" smtClean="0">
+                                <a:latin typeface="Cambria Math" panose="02040503050406030204" pitchFamily="18" charset="0"/>
+                              </a:rPr>
+                              <m:t>𝑗</m:t>
+                            </m:r>
+                          </m:sub>
+                          <m:sup/>
+                          <m:e>
+                            <m:r>
+                              <a:rPr lang="fr-FR" sz="2000" i="1">
+                                <a:latin typeface="Cambria Math" panose="02040503050406030204" pitchFamily="18" charset="0"/>
+                              </a:rPr>
+                              <m:t>|</m:t>
+                            </m:r>
+                            <m:d>
+                              <m:dPr>
+                                <m:begChr m:val="|"/>
+                                <m:endChr m:val="|"/>
+                                <m:ctrlPr>
+                                  <a:rPr lang="fr-FR" sz="2000" i="1">
+                                    <a:latin typeface="Cambria Math" panose="02040503050406030204" pitchFamily="18" charset="0"/>
+                                  </a:rPr>
+                                </m:ctrlPr>
+                              </m:dPr>
+                              <m:e>
+                                <m:r>
+                                  <a:rPr lang="fr-FR" sz="2000" i="1">
+                                    <a:latin typeface="Cambria Math" panose="02040503050406030204" pitchFamily="18" charset="0"/>
+                                  </a:rPr>
+                                  <m:t>𝜇</m:t>
+                                </m:r>
+                                <m:r>
+                                  <a:rPr lang="fr-FR" sz="2000" i="1" baseline="-25000">
+                                    <a:latin typeface="Cambria Math" panose="02040503050406030204" pitchFamily="18" charset="0"/>
+                                  </a:rPr>
+                                  <m:t>𝑗</m:t>
+                                </m:r>
+                                <m:r>
+                                  <a:rPr lang="fr-FR" sz="2000" i="1" baseline="-25000">
+                                    <a:latin typeface="Cambria Math" panose="02040503050406030204" pitchFamily="18" charset="0"/>
+                                  </a:rPr>
+                                  <m:t> −</m:t>
+                                </m:r>
+                                <m:r>
+                                  <a:rPr lang="fr-FR" sz="2000" i="1">
+                                    <a:latin typeface="Cambria Math" panose="02040503050406030204" pitchFamily="18" charset="0"/>
+                                  </a:rPr>
+                                  <m:t>𝑥</m:t>
+                                </m:r>
+                                <m:r>
+                                  <a:rPr lang="fr-FR" sz="2000" i="1" baseline="-25000">
+                                    <a:latin typeface="Cambria Math" panose="02040503050406030204" pitchFamily="18" charset="0"/>
+                                  </a:rPr>
+                                  <m:t>𝑖</m:t>
+                                </m:r>
+                              </m:e>
+                            </m:d>
+                            <m:r>
+                              <a:rPr lang="fr-FR" sz="2000" i="1">
+                                <a:latin typeface="Cambria Math" panose="02040503050406030204" pitchFamily="18" charset="0"/>
+                              </a:rPr>
+                              <m:t>|</m:t>
+                            </m:r>
+                            <m:r>
+                              <a:rPr lang="fr-FR" sz="2000" b="0" i="1" baseline="30000" smtClean="0">
+                                <a:latin typeface="Cambria Math" panose="02040503050406030204" pitchFamily="18" charset="0"/>
+                              </a:rPr>
+                              <m:t>2</m:t>
+                            </m:r>
+                          </m:e>
+                        </m:nary>
+                      </m:e>
+                    </m:nary>
+                  </m:oMath>
                 </a14:m>
                 <a:endParaRPr lang="en-US" sz="2000" dirty="0"/>
               </a:p>
@@ -20034,968 +20902,6 @@
 </p:sld>
 </file>
 
-<file path=ppt/slides/slide2.xml><?xml version="1.0" encoding="utf-8"?>
-<p:sld xmlns:a="http://schemas.openxmlformats.org/drawingml/2006/main" xmlns:r="http://schemas.openxmlformats.org/officeDocument/2006/relationships" xmlns:p="http://schemas.openxmlformats.org/presentationml/2006/main">
-  <p:cSld>
-    <p:spTree>
-      <p:nvGrpSpPr>
-        <p:cNvPr id="1" name=""/>
-        <p:cNvGrpSpPr/>
-        <p:nvPr/>
-      </p:nvGrpSpPr>
-      <p:grpSpPr>
-        <a:xfrm>
-          <a:off x="0" y="0"/>
-          <a:ext cx="0" cy="0"/>
-          <a:chOff x="0" y="0"/>
-          <a:chExt cx="0" cy="0"/>
-        </a:xfrm>
-      </p:grpSpPr>
-      <p:sp>
-        <p:nvSpPr>
-          <p:cNvPr id="2" name="Title 1">
-            <a:extLst>
-              <a:ext uri="{FF2B5EF4-FFF2-40B4-BE49-F238E27FC236}">
-                <a16:creationId xmlns:a16="http://schemas.microsoft.com/office/drawing/2014/main" id="{5FD2FB18-0A16-D941-BF91-E1D903799CFB}"/>
-              </a:ext>
-            </a:extLst>
-          </p:cNvPr>
-          <p:cNvSpPr>
-            <a:spLocks noGrp="1"/>
-          </p:cNvSpPr>
-          <p:nvPr>
-            <p:ph type="title"/>
-          </p:nvPr>
-        </p:nvSpPr>
-        <p:spPr>
-          <a:xfrm>
-            <a:off x="990600" y="0"/>
-            <a:ext cx="10515600" cy="1325563"/>
-          </a:xfrm>
-        </p:spPr>
-        <p:txBody>
-          <a:bodyPr/>
-          <a:lstStyle/>
-          <a:p>
-            <a:r>
-              <a:rPr lang="en-US" dirty="0"/>
-              <a:t>Module overview</a:t>
-            </a:r>
-          </a:p>
-        </p:txBody>
-      </p:sp>
-      <p:sp>
-        <p:nvSpPr>
-          <p:cNvPr id="3" name="Content Placeholder 2">
-            <a:extLst>
-              <a:ext uri="{FF2B5EF4-FFF2-40B4-BE49-F238E27FC236}">
-                <a16:creationId xmlns:a16="http://schemas.microsoft.com/office/drawing/2014/main" id="{A956CB73-3E17-3B43-B3AC-C64FC1536AFC}"/>
-              </a:ext>
-            </a:extLst>
-          </p:cNvPr>
-          <p:cNvSpPr>
-            <a:spLocks noGrp="1"/>
-          </p:cNvSpPr>
-          <p:nvPr>
-            <p:ph idx="1"/>
-          </p:nvPr>
-        </p:nvSpPr>
-        <p:spPr>
-          <a:xfrm>
-            <a:off x="1336963" y="1253331"/>
-            <a:ext cx="9518073" cy="1309759"/>
-          </a:xfrm>
-        </p:spPr>
-        <p:style>
-          <a:lnRef idx="2">
-            <a:schemeClr val="accent2"/>
-          </a:lnRef>
-          <a:fillRef idx="1">
-            <a:schemeClr val="lt1"/>
-          </a:fillRef>
-          <a:effectRef idx="0">
-            <a:schemeClr val="accent2"/>
-          </a:effectRef>
-          <a:fontRef idx="minor">
-            <a:schemeClr val="dk1"/>
-          </a:fontRef>
-        </p:style>
-        <p:txBody>
-          <a:bodyPr>
-            <a:normAutofit/>
-          </a:bodyPr>
-          <a:lstStyle/>
-          <a:p>
-            <a:pPr marL="0" indent="0">
-              <a:buNone/>
-            </a:pPr>
-            <a:r>
-              <a:rPr lang="en-US" b="1" dirty="0"/>
-              <a:t>Task: </a:t>
-            </a:r>
-          </a:p>
-          <a:p>
-            <a:pPr lvl="1"/>
-            <a:r>
-              <a:rPr lang="en-US" dirty="0"/>
-              <a:t>Discover groups (clusters) of related articles</a:t>
-            </a:r>
-          </a:p>
-          <a:p>
-            <a:pPr lvl="1"/>
-            <a:r>
-              <a:rPr lang="en-US" dirty="0"/>
-              <a:t>Topic modeling</a:t>
-            </a:r>
-          </a:p>
-        </p:txBody>
-      </p:sp>
-      <p:grpSp>
-        <p:nvGrpSpPr>
-          <p:cNvPr id="4" name="Groupe 11">
-            <a:extLst>
-              <a:ext uri="{FF2B5EF4-FFF2-40B4-BE49-F238E27FC236}">
-                <a16:creationId xmlns:a16="http://schemas.microsoft.com/office/drawing/2014/main" id="{2D04A576-5436-8745-A9C8-98823B178F70}"/>
-              </a:ext>
-            </a:extLst>
-          </p:cNvPr>
-          <p:cNvGrpSpPr/>
-          <p:nvPr/>
-        </p:nvGrpSpPr>
-        <p:grpSpPr>
-          <a:xfrm>
-            <a:off x="-13856" y="6214952"/>
-            <a:ext cx="12205855" cy="643054"/>
-            <a:chOff x="0" y="4661210"/>
-            <a:chExt cx="9144000" cy="482290"/>
-          </a:xfrm>
-        </p:grpSpPr>
-        <p:sp>
-          <p:nvSpPr>
-            <p:cNvPr id="5" name="Rectangle 4">
-              <a:extLst>
-                <a:ext uri="{FF2B5EF4-FFF2-40B4-BE49-F238E27FC236}">
-                  <a16:creationId xmlns:a16="http://schemas.microsoft.com/office/drawing/2014/main" id="{BA408CAF-9DA0-EE49-B8B6-FD1FE582D449}"/>
-                </a:ext>
-              </a:extLst>
-            </p:cNvPr>
-            <p:cNvSpPr/>
-            <p:nvPr/>
-          </p:nvSpPr>
-          <p:spPr>
-            <a:xfrm>
-              <a:off x="0" y="4661210"/>
-              <a:ext cx="9144000" cy="482290"/>
-            </a:xfrm>
-            <a:prstGeom prst="rect">
-              <a:avLst/>
-            </a:prstGeom>
-            <a:solidFill>
-              <a:schemeClr val="tx1">
-                <a:lumMod val="65000"/>
-                <a:lumOff val="35000"/>
-              </a:schemeClr>
-            </a:solidFill>
-            <a:ln>
-              <a:solidFill>
-                <a:schemeClr val="tx1">
-                  <a:lumMod val="65000"/>
-                  <a:lumOff val="35000"/>
-                </a:schemeClr>
-              </a:solidFill>
-            </a:ln>
-          </p:spPr>
-          <p:style>
-            <a:lnRef idx="2">
-              <a:schemeClr val="dk1">
-                <a:shade val="50000"/>
-              </a:schemeClr>
-            </a:lnRef>
-            <a:fillRef idx="1">
-              <a:schemeClr val="dk1"/>
-            </a:fillRef>
-            <a:effectRef idx="0">
-              <a:schemeClr val="dk1"/>
-            </a:effectRef>
-            <a:fontRef idx="minor">
-              <a:schemeClr val="lt1"/>
-            </a:fontRef>
-          </p:style>
-          <p:txBody>
-            <a:bodyPr rtlCol="0" anchor="ctr"/>
-            <a:lstStyle/>
-            <a:p>
-              <a:pPr algn="ctr"/>
-              <a:endParaRPr lang="fr-FR" sz="2400"/>
-            </a:p>
-          </p:txBody>
-        </p:sp>
-        <p:sp>
-          <p:nvSpPr>
-            <p:cNvPr id="6" name="ZoneTexte 10">
-              <a:extLst>
-                <a:ext uri="{FF2B5EF4-FFF2-40B4-BE49-F238E27FC236}">
-                  <a16:creationId xmlns:a16="http://schemas.microsoft.com/office/drawing/2014/main" id="{68A9EB41-91ED-6241-935D-ADF2E43727A3}"/>
-                </a:ext>
-              </a:extLst>
-            </p:cNvPr>
-            <p:cNvSpPr txBox="1"/>
-            <p:nvPr/>
-          </p:nvSpPr>
-          <p:spPr>
-            <a:xfrm>
-              <a:off x="179512" y="4753476"/>
-              <a:ext cx="3650383" cy="315423"/>
-            </a:xfrm>
-            <a:prstGeom prst="rect">
-              <a:avLst/>
-            </a:prstGeom>
-            <a:noFill/>
-            <a:ln>
-              <a:solidFill>
-                <a:schemeClr val="tx1">
-                  <a:lumMod val="65000"/>
-                  <a:lumOff val="35000"/>
-                </a:schemeClr>
-              </a:solidFill>
-            </a:ln>
-          </p:spPr>
-          <p:txBody>
-            <a:bodyPr wrap="square" rtlCol="0">
-              <a:spAutoFit/>
-            </a:bodyPr>
-            <a:lstStyle/>
-            <a:p>
-              <a:r>
-                <a:rPr lang="fr-FR" sz="2133" dirty="0">
-                  <a:solidFill>
-                    <a:schemeClr val="bg1"/>
-                  </a:solidFill>
-                </a:rPr>
-                <a:t>Sprint 4 – </a:t>
-              </a:r>
-              <a:r>
-                <a:rPr lang="fr-FR" sz="2133" dirty="0" err="1">
-                  <a:solidFill>
-                    <a:schemeClr val="bg1"/>
-                  </a:solidFill>
-                </a:rPr>
-                <a:t>Clustering</a:t>
-              </a:r>
-              <a:r>
-                <a:rPr lang="fr-FR" sz="2133" dirty="0">
-                  <a:solidFill>
-                    <a:schemeClr val="bg1"/>
-                  </a:solidFill>
-                </a:rPr>
-                <a:t> and topic </a:t>
-              </a:r>
-              <a:r>
-                <a:rPr lang="fr-FR" sz="2133" dirty="0" err="1">
-                  <a:solidFill>
-                    <a:schemeClr val="bg1"/>
-                  </a:solidFill>
-                </a:rPr>
-                <a:t>modeling</a:t>
-              </a:r>
-              <a:endParaRPr lang="fr-FR" sz="2133" dirty="0">
-                <a:solidFill>
-                  <a:schemeClr val="bg1"/>
-                </a:solidFill>
-              </a:endParaRPr>
-            </a:p>
-          </p:txBody>
-        </p:sp>
-      </p:grpSp>
-      <p:sp>
-        <p:nvSpPr>
-          <p:cNvPr id="7" name="Rectangle 6">
-            <a:extLst>
-              <a:ext uri="{FF2B5EF4-FFF2-40B4-BE49-F238E27FC236}">
-                <a16:creationId xmlns:a16="http://schemas.microsoft.com/office/drawing/2014/main" id="{6EF70F27-8A39-4541-AC53-6B711FDE42ED}"/>
-              </a:ext>
-            </a:extLst>
-          </p:cNvPr>
-          <p:cNvSpPr/>
-          <p:nvPr/>
-        </p:nvSpPr>
-        <p:spPr>
-          <a:xfrm>
-            <a:off x="1039091" y="3009900"/>
-            <a:ext cx="1911927" cy="651164"/>
-          </a:xfrm>
-          <a:prstGeom prst="rect">
-            <a:avLst/>
-          </a:prstGeom>
-          <a:ln>
-            <a:solidFill>
-              <a:schemeClr val="accent6">
-                <a:lumMod val="50000"/>
-              </a:schemeClr>
-            </a:solidFill>
-          </a:ln>
-        </p:spPr>
-        <p:style>
-          <a:lnRef idx="2">
-            <a:schemeClr val="accent6">
-              <a:shade val="50000"/>
-            </a:schemeClr>
-          </a:lnRef>
-          <a:fillRef idx="1">
-            <a:schemeClr val="accent6"/>
-          </a:fillRef>
-          <a:effectRef idx="0">
-            <a:schemeClr val="accent6"/>
-          </a:effectRef>
-          <a:fontRef idx="minor">
-            <a:schemeClr val="lt1"/>
-          </a:fontRef>
-        </p:style>
-        <p:txBody>
-          <a:bodyPr rtlCol="0" anchor="ctr"/>
-          <a:lstStyle/>
-          <a:p>
-            <a:pPr algn="ctr"/>
-            <a:r>
-              <a:rPr lang="en-US" dirty="0"/>
-              <a:t>Core concepts</a:t>
-            </a:r>
-          </a:p>
-        </p:txBody>
-      </p:sp>
-      <p:sp>
-        <p:nvSpPr>
-          <p:cNvPr id="8" name="Rectangle 7">
-            <a:extLst>
-              <a:ext uri="{FF2B5EF4-FFF2-40B4-BE49-F238E27FC236}">
-                <a16:creationId xmlns:a16="http://schemas.microsoft.com/office/drawing/2014/main" id="{4444BF44-A10C-044D-9D87-D573093FDB66}"/>
-              </a:ext>
-            </a:extLst>
-          </p:cNvPr>
-          <p:cNvSpPr/>
-          <p:nvPr/>
-        </p:nvSpPr>
-        <p:spPr>
-          <a:xfrm>
-            <a:off x="5140036" y="3027216"/>
-            <a:ext cx="1911927" cy="651164"/>
-          </a:xfrm>
-          <a:prstGeom prst="rect">
-            <a:avLst/>
-          </a:prstGeom>
-        </p:spPr>
-        <p:style>
-          <a:lnRef idx="2">
-            <a:schemeClr val="accent5">
-              <a:shade val="50000"/>
-            </a:schemeClr>
-          </a:lnRef>
-          <a:fillRef idx="1">
-            <a:schemeClr val="accent5"/>
-          </a:fillRef>
-          <a:effectRef idx="0">
-            <a:schemeClr val="accent5"/>
-          </a:effectRef>
-          <a:fontRef idx="minor">
-            <a:schemeClr val="lt1"/>
-          </a:fontRef>
-        </p:style>
-        <p:txBody>
-          <a:bodyPr rtlCol="0" anchor="ctr"/>
-          <a:lstStyle/>
-          <a:p>
-            <a:pPr algn="ctr"/>
-            <a:r>
-              <a:rPr lang="en-US" dirty="0"/>
-              <a:t>Algorithms and models</a:t>
-            </a:r>
-          </a:p>
-        </p:txBody>
-      </p:sp>
-      <p:sp>
-        <p:nvSpPr>
-          <p:cNvPr id="9" name="Rectangle 8">
-            <a:extLst>
-              <a:ext uri="{FF2B5EF4-FFF2-40B4-BE49-F238E27FC236}">
-                <a16:creationId xmlns:a16="http://schemas.microsoft.com/office/drawing/2014/main" id="{06D78E6C-711D-D74F-87E8-4C5202C55CB6}"/>
-              </a:ext>
-            </a:extLst>
-          </p:cNvPr>
-          <p:cNvSpPr/>
-          <p:nvPr/>
-        </p:nvSpPr>
-        <p:spPr>
-          <a:xfrm>
-            <a:off x="9074726" y="3013364"/>
-            <a:ext cx="1911927" cy="651164"/>
-          </a:xfrm>
-          <a:prstGeom prst="rect">
-            <a:avLst/>
-          </a:prstGeom>
-          <a:solidFill>
-            <a:srgbClr val="7030A0"/>
-          </a:solidFill>
-        </p:spPr>
-        <p:style>
-          <a:lnRef idx="2">
-            <a:schemeClr val="accent1">
-              <a:shade val="50000"/>
-            </a:schemeClr>
-          </a:lnRef>
-          <a:fillRef idx="1">
-            <a:schemeClr val="accent1"/>
-          </a:fillRef>
-          <a:effectRef idx="0">
-            <a:schemeClr val="accent1"/>
-          </a:effectRef>
-          <a:fontRef idx="minor">
-            <a:schemeClr val="lt1"/>
-          </a:fontRef>
-        </p:style>
-        <p:txBody>
-          <a:bodyPr rtlCol="0" anchor="ctr"/>
-          <a:lstStyle/>
-          <a:p>
-            <a:pPr algn="ctr"/>
-            <a:r>
-              <a:rPr lang="en-US" dirty="0"/>
-              <a:t>Implementation on real dataset</a:t>
-            </a:r>
-          </a:p>
-        </p:txBody>
-      </p:sp>
-      <p:sp>
-        <p:nvSpPr>
-          <p:cNvPr id="10" name="TextBox 9">
-            <a:extLst>
-              <a:ext uri="{FF2B5EF4-FFF2-40B4-BE49-F238E27FC236}">
-                <a16:creationId xmlns:a16="http://schemas.microsoft.com/office/drawing/2014/main" id="{D788A997-BEC1-014C-9DCB-034338E8121F}"/>
-              </a:ext>
-            </a:extLst>
-          </p:cNvPr>
-          <p:cNvSpPr txBox="1"/>
-          <p:nvPr/>
-        </p:nvSpPr>
-        <p:spPr>
-          <a:xfrm>
-            <a:off x="1177636" y="3692230"/>
-            <a:ext cx="2895600" cy="646331"/>
-          </a:xfrm>
-          <a:prstGeom prst="rect">
-            <a:avLst/>
-          </a:prstGeom>
-          <a:noFill/>
-        </p:spPr>
-        <p:txBody>
-          <a:bodyPr wrap="square" rtlCol="0">
-            <a:spAutoFit/>
-          </a:bodyPr>
-          <a:lstStyle/>
-          <a:p>
-            <a:pPr marL="285750" indent="-285750">
-              <a:buFont typeface="Arial" panose="020B0604020202020204" pitchFamily="34" charset="0"/>
-              <a:buChar char="•"/>
-            </a:pPr>
-            <a:r>
-              <a:rPr lang="en-US" dirty="0"/>
-              <a:t>Unsupervised learning</a:t>
-            </a:r>
-          </a:p>
-          <a:p>
-            <a:pPr marL="285750" indent="-285750">
-              <a:buFont typeface="Arial" panose="020B0604020202020204" pitchFamily="34" charset="0"/>
-              <a:buChar char="•"/>
-            </a:pPr>
-            <a:r>
-              <a:rPr lang="en-US" dirty="0"/>
-              <a:t>Cluster heterogeneity</a:t>
-            </a:r>
-          </a:p>
-        </p:txBody>
-      </p:sp>
-      <p:sp>
-        <p:nvSpPr>
-          <p:cNvPr id="11" name="TextBox 10">
-            <a:extLst>
-              <a:ext uri="{FF2B5EF4-FFF2-40B4-BE49-F238E27FC236}">
-                <a16:creationId xmlns:a16="http://schemas.microsoft.com/office/drawing/2014/main" id="{52E2D321-5773-EC42-B1DF-96F72F8FB287}"/>
-              </a:ext>
-            </a:extLst>
-          </p:cNvPr>
-          <p:cNvSpPr txBox="1"/>
-          <p:nvPr/>
-        </p:nvSpPr>
-        <p:spPr>
-          <a:xfrm>
-            <a:off x="5237019" y="3706087"/>
-            <a:ext cx="2895600" cy="646331"/>
-          </a:xfrm>
-          <a:prstGeom prst="rect">
-            <a:avLst/>
-          </a:prstGeom>
-          <a:noFill/>
-        </p:spPr>
-        <p:txBody>
-          <a:bodyPr wrap="square" rtlCol="0">
-            <a:spAutoFit/>
-          </a:bodyPr>
-          <a:lstStyle/>
-          <a:p>
-            <a:pPr marL="285750" indent="-285750">
-              <a:buFont typeface="Arial" panose="020B0604020202020204" pitchFamily="34" charset="0"/>
-              <a:buChar char="•"/>
-            </a:pPr>
-            <a:r>
-              <a:rPr lang="en-US" dirty="0"/>
-              <a:t>K-means</a:t>
-            </a:r>
-          </a:p>
-          <a:p>
-            <a:pPr marL="285750" indent="-285750">
-              <a:buFont typeface="Arial" panose="020B0604020202020204" pitchFamily="34" charset="0"/>
-              <a:buChar char="•"/>
-            </a:pPr>
-            <a:r>
-              <a:rPr lang="en-US" dirty="0"/>
-              <a:t>LDA</a:t>
-            </a:r>
-          </a:p>
-        </p:txBody>
-      </p:sp>
-      <p:sp>
-        <p:nvSpPr>
-          <p:cNvPr id="12" name="TextBox 11">
-            <a:extLst>
-              <a:ext uri="{FF2B5EF4-FFF2-40B4-BE49-F238E27FC236}">
-                <a16:creationId xmlns:a16="http://schemas.microsoft.com/office/drawing/2014/main" id="{1D8B34A3-A180-D547-A588-83683E8AC627}"/>
-              </a:ext>
-            </a:extLst>
-          </p:cNvPr>
-          <p:cNvSpPr txBox="1"/>
-          <p:nvPr/>
-        </p:nvSpPr>
-        <p:spPr>
-          <a:xfrm>
-            <a:off x="9296400" y="3694696"/>
-            <a:ext cx="2895600" cy="646331"/>
-          </a:xfrm>
-          <a:prstGeom prst="rect">
-            <a:avLst/>
-          </a:prstGeom>
-          <a:noFill/>
-        </p:spPr>
-        <p:txBody>
-          <a:bodyPr wrap="square" rtlCol="0">
-            <a:spAutoFit/>
-          </a:bodyPr>
-          <a:lstStyle/>
-          <a:p>
-            <a:pPr marL="285750" indent="-285750">
-              <a:buFont typeface="Arial" panose="020B0604020202020204" pitchFamily="34" charset="0"/>
-              <a:buChar char="•"/>
-            </a:pPr>
-            <a:r>
-              <a:rPr lang="en-US" dirty="0"/>
-              <a:t>Wikipedia</a:t>
-            </a:r>
-          </a:p>
-          <a:p>
-            <a:pPr marL="285750" indent="-285750">
-              <a:buFont typeface="Arial" panose="020B0604020202020204" pitchFamily="34" charset="0"/>
-              <a:buChar char="•"/>
-            </a:pPr>
-            <a:r>
-              <a:rPr lang="en-US" dirty="0"/>
-              <a:t>metagenomes</a:t>
-            </a:r>
-          </a:p>
-        </p:txBody>
-      </p:sp>
-    </p:spTree>
-    <p:extLst>
-      <p:ext uri="{BB962C8B-B14F-4D97-AF65-F5344CB8AC3E}">
-        <p14:creationId xmlns:p14="http://schemas.microsoft.com/office/powerpoint/2010/main" val="2509652006"/>
-      </p:ext>
-    </p:extLst>
-  </p:cSld>
-  <p:clrMapOvr>
-    <a:masterClrMapping/>
-  </p:clrMapOvr>
-</p:sld>
-</file>
-
-<file path=ppt/slides/slide20.xml><?xml version="1.0" encoding="utf-8"?>
-<p:sld xmlns:a="http://schemas.openxmlformats.org/drawingml/2006/main" xmlns:r="http://schemas.openxmlformats.org/officeDocument/2006/relationships" xmlns:p="http://schemas.openxmlformats.org/presentationml/2006/main">
-  <p:cSld>
-    <p:spTree>
-      <p:nvGrpSpPr>
-        <p:cNvPr id="1" name=""/>
-        <p:cNvGrpSpPr/>
-        <p:nvPr/>
-      </p:nvGrpSpPr>
-      <p:grpSpPr>
-        <a:xfrm>
-          <a:off x="0" y="0"/>
-          <a:ext cx="0" cy="0"/>
-          <a:chOff x="0" y="0"/>
-          <a:chExt cx="0" cy="0"/>
-        </a:xfrm>
-      </p:grpSpPr>
-      <p:sp>
-        <p:nvSpPr>
-          <p:cNvPr id="2" name="Rectangle 1"/>
-          <p:cNvSpPr/>
-          <p:nvPr/>
-        </p:nvSpPr>
-        <p:spPr>
-          <a:xfrm>
-            <a:off x="0" y="0"/>
-            <a:ext cx="12192000" cy="6858000"/>
-          </a:xfrm>
-          <a:prstGeom prst="rect">
-            <a:avLst/>
-          </a:prstGeom>
-          <a:solidFill>
-            <a:schemeClr val="accent6"/>
-          </a:solidFill>
-          <a:ln>
-            <a:noFill/>
-          </a:ln>
-        </p:spPr>
-        <p:style>
-          <a:lnRef idx="2">
-            <a:schemeClr val="accent1">
-              <a:shade val="50000"/>
-            </a:schemeClr>
-          </a:lnRef>
-          <a:fillRef idx="1">
-            <a:schemeClr val="accent1"/>
-          </a:fillRef>
-          <a:effectRef idx="0">
-            <a:schemeClr val="accent1"/>
-          </a:effectRef>
-          <a:fontRef idx="minor">
-            <a:schemeClr val="lt1"/>
-          </a:fontRef>
-        </p:style>
-        <p:txBody>
-          <a:bodyPr rtlCol="0" anchor="ctr"/>
-          <a:lstStyle/>
-          <a:p>
-            <a:pPr algn="ctr"/>
-            <a:endParaRPr lang="fr-FR" sz="2400"/>
-          </a:p>
-        </p:txBody>
-      </p:sp>
-      <p:sp>
-        <p:nvSpPr>
-          <p:cNvPr id="3" name="Rectangle 2"/>
-          <p:cNvSpPr/>
-          <p:nvPr/>
-        </p:nvSpPr>
-        <p:spPr>
-          <a:xfrm>
-            <a:off x="0" y="6213309"/>
-            <a:ext cx="12192000" cy="644691"/>
-          </a:xfrm>
-          <a:prstGeom prst="rect">
-            <a:avLst/>
-          </a:prstGeom>
-          <a:solidFill>
-            <a:schemeClr val="accent6">
-              <a:lumMod val="50000"/>
-            </a:schemeClr>
-          </a:solidFill>
-          <a:ln>
-            <a:noFill/>
-          </a:ln>
-        </p:spPr>
-        <p:style>
-          <a:lnRef idx="2">
-            <a:schemeClr val="accent1">
-              <a:shade val="50000"/>
-            </a:schemeClr>
-          </a:lnRef>
-          <a:fillRef idx="1">
-            <a:schemeClr val="accent1"/>
-          </a:fillRef>
-          <a:effectRef idx="0">
-            <a:schemeClr val="accent1"/>
-          </a:effectRef>
-          <a:fontRef idx="minor">
-            <a:schemeClr val="lt1"/>
-          </a:fontRef>
-        </p:style>
-        <p:txBody>
-          <a:bodyPr rtlCol="0" anchor="ctr"/>
-          <a:lstStyle/>
-          <a:p>
-            <a:pPr algn="ctr"/>
-            <a:endParaRPr lang="fr-FR" sz="2400"/>
-          </a:p>
-        </p:txBody>
-      </p:sp>
-      <p:sp>
-        <p:nvSpPr>
-          <p:cNvPr id="4" name="ZoneTexte 3"/>
-          <p:cNvSpPr txBox="1"/>
-          <p:nvPr/>
-        </p:nvSpPr>
-        <p:spPr>
-          <a:xfrm>
-            <a:off x="239350" y="6337969"/>
-            <a:ext cx="4831414" cy="420564"/>
-          </a:xfrm>
-          <a:prstGeom prst="rect">
-            <a:avLst/>
-          </a:prstGeom>
-          <a:noFill/>
-        </p:spPr>
-        <p:txBody>
-          <a:bodyPr wrap="square" rtlCol="0">
-            <a:spAutoFit/>
-          </a:bodyPr>
-          <a:lstStyle/>
-          <a:p>
-            <a:r>
-              <a:rPr lang="fr-FR" sz="2133" dirty="0">
-                <a:solidFill>
-                  <a:schemeClr val="bg1"/>
-                </a:solidFill>
-              </a:rPr>
-              <a:t>Sprint 4 – </a:t>
-            </a:r>
-            <a:r>
-              <a:rPr lang="fr-FR" sz="2133" dirty="0" err="1">
-                <a:solidFill>
-                  <a:schemeClr val="bg1"/>
-                </a:solidFill>
-              </a:rPr>
-              <a:t>Clustering</a:t>
-            </a:r>
-            <a:r>
-              <a:rPr lang="fr-FR" sz="2133" dirty="0">
-                <a:solidFill>
-                  <a:schemeClr val="bg1"/>
-                </a:solidFill>
-              </a:rPr>
-              <a:t> and topic </a:t>
-            </a:r>
-            <a:r>
-              <a:rPr lang="fr-FR" sz="2133" dirty="0" err="1">
-                <a:solidFill>
-                  <a:schemeClr val="bg1"/>
-                </a:solidFill>
-              </a:rPr>
-              <a:t>modeling</a:t>
-            </a:r>
-            <a:endParaRPr lang="fr-FR" sz="2133" dirty="0">
-              <a:solidFill>
-                <a:schemeClr val="bg1"/>
-              </a:solidFill>
-            </a:endParaRPr>
-          </a:p>
-        </p:txBody>
-      </p:sp>
-      <p:sp>
-        <p:nvSpPr>
-          <p:cNvPr id="5" name="Espace réservé du contenu 2"/>
-          <p:cNvSpPr txBox="1">
-            <a:spLocks/>
-          </p:cNvSpPr>
-          <p:nvPr/>
-        </p:nvSpPr>
-        <p:spPr>
-          <a:xfrm>
-            <a:off x="143339" y="2560309"/>
-            <a:ext cx="10972800" cy="868692"/>
-          </a:xfrm>
-          <a:prstGeom prst="rect">
-            <a:avLst/>
-          </a:prstGeom>
-        </p:spPr>
-        <p:txBody>
-          <a:bodyPr>
-            <a:normAutofit/>
-          </a:bodyPr>
-          <a:lstStyle>
-            <a:lvl1pPr marL="342900" indent="-342900" algn="l" defTabSz="914400" rtl="0" eaLnBrk="1" latinLnBrk="0" hangingPunct="1">
-              <a:spcBef>
-                <a:spcPct val="20000"/>
-              </a:spcBef>
-              <a:buFont typeface="Arial" panose="020B0604020202020204" pitchFamily="34" charset="0"/>
-              <a:buChar char="•"/>
-              <a:defRPr sz="3200" kern="1200">
-                <a:solidFill>
-                  <a:schemeClr val="tx1"/>
-                </a:solidFill>
-                <a:latin typeface="+mn-lt"/>
-                <a:ea typeface="+mn-ea"/>
-                <a:cs typeface="+mn-cs"/>
-              </a:defRPr>
-            </a:lvl1pPr>
-            <a:lvl2pPr marL="742950" indent="-285750" algn="l" defTabSz="914400" rtl="0" eaLnBrk="1" latinLnBrk="0" hangingPunct="1">
-              <a:spcBef>
-                <a:spcPct val="20000"/>
-              </a:spcBef>
-              <a:buFont typeface="Arial" panose="020B0604020202020204" pitchFamily="34" charset="0"/>
-              <a:buChar char="–"/>
-              <a:defRPr sz="2800" kern="1200">
-                <a:solidFill>
-                  <a:schemeClr val="tx1"/>
-                </a:solidFill>
-                <a:latin typeface="+mn-lt"/>
-                <a:ea typeface="+mn-ea"/>
-                <a:cs typeface="+mn-cs"/>
-              </a:defRPr>
-            </a:lvl2pPr>
-            <a:lvl3pPr marL="1143000" indent="-228600" algn="l" defTabSz="914400" rtl="0" eaLnBrk="1" latinLnBrk="0" hangingPunct="1">
-              <a:spcBef>
-                <a:spcPct val="20000"/>
-              </a:spcBef>
-              <a:buFont typeface="Arial" panose="020B0604020202020204" pitchFamily="34" charset="0"/>
-              <a:buChar char="•"/>
-              <a:defRPr sz="2400" kern="1200">
-                <a:solidFill>
-                  <a:schemeClr val="tx1"/>
-                </a:solidFill>
-                <a:latin typeface="+mn-lt"/>
-                <a:ea typeface="+mn-ea"/>
-                <a:cs typeface="+mn-cs"/>
-              </a:defRPr>
-            </a:lvl3pPr>
-            <a:lvl4pPr marL="1600200" indent="-228600" algn="l" defTabSz="914400" rtl="0" eaLnBrk="1" latinLnBrk="0" hangingPunct="1">
-              <a:spcBef>
-                <a:spcPct val="20000"/>
-              </a:spcBef>
-              <a:buFont typeface="Arial" panose="020B0604020202020204" pitchFamily="34" charset="0"/>
-              <a:buChar char="–"/>
-              <a:defRPr sz="2000" kern="1200">
-                <a:solidFill>
-                  <a:schemeClr val="tx1"/>
-                </a:solidFill>
-                <a:latin typeface="+mn-lt"/>
-                <a:ea typeface="+mn-ea"/>
-                <a:cs typeface="+mn-cs"/>
-              </a:defRPr>
-            </a:lvl4pPr>
-            <a:lvl5pPr marL="2057400" indent="-228600" algn="l" defTabSz="914400" rtl="0" eaLnBrk="1" latinLnBrk="0" hangingPunct="1">
-              <a:spcBef>
-                <a:spcPct val="20000"/>
-              </a:spcBef>
-              <a:buFont typeface="Arial" panose="020B0604020202020204" pitchFamily="34" charset="0"/>
-              <a:buChar char="»"/>
-              <a:defRPr sz="2000" kern="1200">
-                <a:solidFill>
-                  <a:schemeClr val="tx1"/>
-                </a:solidFill>
-                <a:latin typeface="+mn-lt"/>
-                <a:ea typeface="+mn-ea"/>
-                <a:cs typeface="+mn-cs"/>
-              </a:defRPr>
-            </a:lvl5pPr>
-            <a:lvl6pPr marL="2514600" indent="-228600" algn="l" defTabSz="914400" rtl="0" eaLnBrk="1" latinLnBrk="0" hangingPunct="1">
-              <a:spcBef>
-                <a:spcPct val="20000"/>
-              </a:spcBef>
-              <a:buFont typeface="Arial" panose="020B0604020202020204" pitchFamily="34" charset="0"/>
-              <a:buChar char="•"/>
-              <a:defRPr sz="2000" kern="1200">
-                <a:solidFill>
-                  <a:schemeClr val="tx1"/>
-                </a:solidFill>
-                <a:latin typeface="+mn-lt"/>
-                <a:ea typeface="+mn-ea"/>
-                <a:cs typeface="+mn-cs"/>
-              </a:defRPr>
-            </a:lvl6pPr>
-            <a:lvl7pPr marL="2971800" indent="-228600" algn="l" defTabSz="914400" rtl="0" eaLnBrk="1" latinLnBrk="0" hangingPunct="1">
-              <a:spcBef>
-                <a:spcPct val="20000"/>
-              </a:spcBef>
-              <a:buFont typeface="Arial" panose="020B0604020202020204" pitchFamily="34" charset="0"/>
-              <a:buChar char="•"/>
-              <a:defRPr sz="2000" kern="1200">
-                <a:solidFill>
-                  <a:schemeClr val="tx1"/>
-                </a:solidFill>
-                <a:latin typeface="+mn-lt"/>
-                <a:ea typeface="+mn-ea"/>
-                <a:cs typeface="+mn-cs"/>
-              </a:defRPr>
-            </a:lvl7pPr>
-            <a:lvl8pPr marL="3429000" indent="-228600" algn="l" defTabSz="914400" rtl="0" eaLnBrk="1" latinLnBrk="0" hangingPunct="1">
-              <a:spcBef>
-                <a:spcPct val="20000"/>
-              </a:spcBef>
-              <a:buFont typeface="Arial" panose="020B0604020202020204" pitchFamily="34" charset="0"/>
-              <a:buChar char="•"/>
-              <a:defRPr sz="2000" kern="1200">
-                <a:solidFill>
-                  <a:schemeClr val="tx1"/>
-                </a:solidFill>
-                <a:latin typeface="+mn-lt"/>
-                <a:ea typeface="+mn-ea"/>
-                <a:cs typeface="+mn-cs"/>
-              </a:defRPr>
-            </a:lvl8pPr>
-            <a:lvl9pPr marL="3886200" indent="-228600" algn="l" defTabSz="914400" rtl="0" eaLnBrk="1" latinLnBrk="0" hangingPunct="1">
-              <a:spcBef>
-                <a:spcPct val="20000"/>
-              </a:spcBef>
-              <a:buFont typeface="Arial" panose="020B0604020202020204" pitchFamily="34" charset="0"/>
-              <a:buChar char="•"/>
-              <a:defRPr sz="2000" kern="1200">
-                <a:solidFill>
-                  <a:schemeClr val="tx1"/>
-                </a:solidFill>
-                <a:latin typeface="+mn-lt"/>
-                <a:ea typeface="+mn-ea"/>
-                <a:cs typeface="+mn-cs"/>
-              </a:defRPr>
-            </a:lvl9pPr>
-          </a:lstStyle>
-          <a:p>
-            <a:pPr marL="0" indent="0">
-              <a:buNone/>
-            </a:pPr>
-            <a:r>
-              <a:rPr lang="fr-FR" sz="3733" dirty="0">
-                <a:solidFill>
-                  <a:schemeClr val="bg1"/>
-                </a:solidFill>
-              </a:rPr>
-              <a:t>Concepts: Cluster </a:t>
-            </a:r>
-            <a:r>
-              <a:rPr lang="fr-FR" sz="3733" dirty="0" err="1">
-                <a:solidFill>
-                  <a:schemeClr val="bg1"/>
-                </a:solidFill>
-              </a:rPr>
-              <a:t>heterogeneity</a:t>
-            </a:r>
-            <a:endParaRPr lang="fr-FR" sz="3733" dirty="0">
-              <a:solidFill>
-                <a:schemeClr val="bg1"/>
-              </a:solidFill>
-            </a:endParaRPr>
-          </a:p>
-        </p:txBody>
-      </p:sp>
-    </p:spTree>
-    <p:extLst>
-      <p:ext uri="{BB962C8B-B14F-4D97-AF65-F5344CB8AC3E}">
-        <p14:creationId xmlns:p14="http://schemas.microsoft.com/office/powerpoint/2010/main" val="1018096752"/>
-      </p:ext>
-    </p:extLst>
-  </p:cSld>
-  <p:clrMapOvr>
-    <a:masterClrMapping/>
-  </p:clrMapOvr>
-</p:sld>
-</file>
-
 <file path=ppt/slides/slide21.xml><?xml version="1.0" encoding="utf-8"?>
 <p:sld xmlns:a="http://schemas.openxmlformats.org/drawingml/2006/main" xmlns:r="http://schemas.openxmlformats.org/officeDocument/2006/relationships" xmlns:p="http://schemas.openxmlformats.org/presentationml/2006/main">
   <p:cSld>
@@ -21041,308 +20947,11 @@
           <a:p>
             <a:r>
               <a:rPr lang="en-US" dirty="0"/>
-              <a:t>Assessing the quality of clusters</a:t>
-            </a:r>
-          </a:p>
-        </p:txBody>
-      </p:sp>
-      <mc:AlternateContent xmlns:mc="http://schemas.openxmlformats.org/markup-compatibility/2006">
-        <mc:Choice xmlns:a14="http://schemas.microsoft.com/office/drawing/2010/main" Requires="a14">
-          <p:sp>
-            <p:nvSpPr>
-              <p:cNvPr id="3" name="Content Placeholder 2">
-                <a:extLst>
-                  <a:ext uri="{FF2B5EF4-FFF2-40B4-BE49-F238E27FC236}">
-                    <a16:creationId xmlns:a16="http://schemas.microsoft.com/office/drawing/2014/main" id="{A956CB73-3E17-3B43-B3AC-C64FC1536AFC}"/>
-                  </a:ext>
-                </a:extLst>
-              </p:cNvPr>
-              <p:cNvSpPr>
-                <a:spLocks noGrp="1"/>
-              </p:cNvSpPr>
-              <p:nvPr>
-                <p:ph idx="1"/>
-              </p:nvPr>
-            </p:nvSpPr>
-            <p:spPr>
-              <a:xfrm>
-                <a:off x="547256" y="1166993"/>
-                <a:ext cx="6463144" cy="4180862"/>
-              </a:xfrm>
-              <a:ln>
-                <a:noFill/>
-              </a:ln>
-            </p:spPr>
-            <p:style>
-              <a:lnRef idx="2">
-                <a:schemeClr val="accent2"/>
-              </a:lnRef>
-              <a:fillRef idx="1">
-                <a:schemeClr val="lt1"/>
-              </a:fillRef>
-              <a:effectRef idx="0">
-                <a:schemeClr val="accent2"/>
-              </a:effectRef>
-              <a:fontRef idx="minor">
-                <a:schemeClr val="dk1"/>
-              </a:fontRef>
-            </p:style>
-            <p:txBody>
-              <a:bodyPr>
-                <a:normAutofit/>
-              </a:bodyPr>
-              <a:lstStyle/>
-              <a:p>
-                <a:pPr marL="0" indent="0">
-                  <a:buNone/>
-                </a:pPr>
-                <a:r>
-                  <a:rPr lang="en-US" sz="2400" dirty="0"/>
-                  <a:t>K-means is trying to minimize the sum of squared distances: </a:t>
-                </a:r>
-              </a:p>
-              <a:p>
-                <a:pPr marL="0" indent="0">
-                  <a:buNone/>
-                </a:pPr>
-                <a:endParaRPr lang="en-US" sz="1050" dirty="0"/>
-              </a:p>
-              <a:p>
-                <a:pPr marL="0" indent="0">
-                  <a:buNone/>
-                </a:pPr>
-                <a14:m>
-                  <m:oMathPara xmlns:m="http://schemas.openxmlformats.org/officeDocument/2006/math">
-                    <m:oMathParaPr>
-                      <m:jc m:val="centerGroup"/>
-                    </m:oMathParaPr>
-                    <m:oMath xmlns:m="http://schemas.openxmlformats.org/officeDocument/2006/math">
-                      <m:nary>
-                        <m:naryPr>
-                          <m:chr m:val="∑"/>
-                          <m:ctrlPr>
-                            <a:rPr lang="en-US" sz="2000" i="1" smtClean="0">
-                              <a:latin typeface="Cambria Math" panose="02040503050406030204" pitchFamily="18" charset="0"/>
-                            </a:rPr>
-                          </m:ctrlPr>
-                        </m:naryPr>
-                        <m:sub>
-                          <m:r>
-                            <m:rPr>
-                              <m:brk m:alnAt="23"/>
-                            </m:rPr>
-                            <a:rPr lang="fr-FR" sz="2000" b="0" i="1" smtClean="0">
-                              <a:latin typeface="Cambria Math" panose="02040503050406030204" pitchFamily="18" charset="0"/>
-                            </a:rPr>
-                            <m:t>𝑗</m:t>
-                          </m:r>
-                          <m:r>
-                            <a:rPr lang="fr-FR" sz="2000" b="0" i="1" smtClean="0">
-                              <a:latin typeface="Cambria Math" panose="02040503050406030204" pitchFamily="18" charset="0"/>
-                            </a:rPr>
-                            <m:t>=1</m:t>
-                          </m:r>
-                        </m:sub>
-                        <m:sup>
-                          <m:r>
-                            <a:rPr lang="fr-FR" sz="2000" b="0" i="1" smtClean="0">
-                              <a:latin typeface="Cambria Math" panose="02040503050406030204" pitchFamily="18" charset="0"/>
-                            </a:rPr>
-                            <m:t>𝑘</m:t>
-                          </m:r>
-                        </m:sup>
-                        <m:e>
-                          <m:nary>
-                            <m:naryPr>
-                              <m:chr m:val="∑"/>
-                              <m:supHide m:val="on"/>
-                              <m:ctrlPr>
-                                <a:rPr lang="en-US" sz="2000" i="1" smtClean="0">
-                                  <a:latin typeface="Cambria Math" panose="02040503050406030204" pitchFamily="18" charset="0"/>
-                                </a:rPr>
-                              </m:ctrlPr>
-                            </m:naryPr>
-                            <m:sub>
-                              <m:r>
-                                <m:rPr>
-                                  <m:brk m:alnAt="7"/>
-                                </m:rPr>
-                                <a:rPr lang="fr-FR" sz="2000" b="0" i="1" smtClean="0">
-                                  <a:latin typeface="Cambria Math" panose="02040503050406030204" pitchFamily="18" charset="0"/>
-                                </a:rPr>
-                                <m:t>𝑖</m:t>
-                              </m:r>
-                              <m:r>
-                                <a:rPr lang="fr-FR" sz="2000" b="0" i="1" smtClean="0">
-                                  <a:latin typeface="Cambria Math" panose="02040503050406030204" pitchFamily="18" charset="0"/>
-                                </a:rPr>
-                                <m:t>:</m:t>
-                              </m:r>
-                              <m:r>
-                                <a:rPr lang="fr-FR" sz="2000" b="0" i="1" smtClean="0">
-                                  <a:latin typeface="Cambria Math" panose="02040503050406030204" pitchFamily="18" charset="0"/>
-                                </a:rPr>
-                                <m:t>𝑧𝑖</m:t>
-                              </m:r>
-                              <m:r>
-                                <a:rPr lang="fr-FR" sz="2000" b="0" i="1" smtClean="0">
-                                  <a:latin typeface="Cambria Math" panose="02040503050406030204" pitchFamily="18" charset="0"/>
-                                </a:rPr>
-                                <m:t>=</m:t>
-                              </m:r>
-                              <m:r>
-                                <a:rPr lang="fr-FR" sz="2000" b="0" i="1" smtClean="0">
-                                  <a:latin typeface="Cambria Math" panose="02040503050406030204" pitchFamily="18" charset="0"/>
-                                </a:rPr>
-                                <m:t>𝑗</m:t>
-                              </m:r>
-                            </m:sub>
-                            <m:sup/>
-                            <m:e>
-                              <m:r>
-                                <a:rPr lang="fr-FR" sz="2000" i="1">
-                                  <a:latin typeface="Cambria Math" panose="02040503050406030204" pitchFamily="18" charset="0"/>
-                                </a:rPr>
-                                <m:t>|</m:t>
-                              </m:r>
-                              <m:d>
-                                <m:dPr>
-                                  <m:begChr m:val="|"/>
-                                  <m:endChr m:val="|"/>
-                                  <m:ctrlPr>
-                                    <a:rPr lang="fr-FR" sz="2000" i="1">
-                                      <a:latin typeface="Cambria Math" panose="02040503050406030204" pitchFamily="18" charset="0"/>
-                                    </a:rPr>
-                                  </m:ctrlPr>
-                                </m:dPr>
-                                <m:e>
-                                  <m:r>
-                                    <a:rPr lang="fr-FR" sz="2000" i="1">
-                                      <a:latin typeface="Cambria Math" panose="02040503050406030204" pitchFamily="18" charset="0"/>
-                                    </a:rPr>
-                                    <m:t>𝜇</m:t>
-                                  </m:r>
-                                  <m:r>
-                                    <a:rPr lang="fr-FR" sz="2000" i="1" baseline="-25000">
-                                      <a:latin typeface="Cambria Math" panose="02040503050406030204" pitchFamily="18" charset="0"/>
-                                    </a:rPr>
-                                    <m:t>𝑗</m:t>
-                                  </m:r>
-                                  <m:r>
-                                    <a:rPr lang="fr-FR" sz="2000" i="1" baseline="-25000">
-                                      <a:latin typeface="Cambria Math" panose="02040503050406030204" pitchFamily="18" charset="0"/>
-                                    </a:rPr>
-                                    <m:t> −</m:t>
-                                  </m:r>
-                                  <m:r>
-                                    <a:rPr lang="fr-FR" sz="2000" i="1">
-                                      <a:latin typeface="Cambria Math" panose="02040503050406030204" pitchFamily="18" charset="0"/>
-                                    </a:rPr>
-                                    <m:t>𝑥</m:t>
-                                  </m:r>
-                                  <m:r>
-                                    <a:rPr lang="fr-FR" sz="2000" i="1" baseline="-25000">
-                                      <a:latin typeface="Cambria Math" panose="02040503050406030204" pitchFamily="18" charset="0"/>
-                                    </a:rPr>
-                                    <m:t>𝑖</m:t>
-                                  </m:r>
-                                </m:e>
-                              </m:d>
-                              <m:r>
-                                <a:rPr lang="fr-FR" sz="2000" i="1">
-                                  <a:latin typeface="Cambria Math" panose="02040503050406030204" pitchFamily="18" charset="0"/>
-                                </a:rPr>
-                                <m:t>|</m:t>
-                              </m:r>
-                              <m:r>
-                                <a:rPr lang="fr-FR" sz="2000" b="0" i="1" baseline="30000" smtClean="0">
-                                  <a:latin typeface="Cambria Math" panose="02040503050406030204" pitchFamily="18" charset="0"/>
-                                </a:rPr>
-                                <m:t>2</m:t>
-                              </m:r>
-                            </m:e>
-                          </m:nary>
-                        </m:e>
-                      </m:nary>
-                    </m:oMath>
-                  </m:oMathPara>
-                </a14:m>
-                <a:endParaRPr lang="en-US" sz="2000" dirty="0"/>
-              </a:p>
-              <a:p>
-                <a:pPr marL="0" indent="0">
-                  <a:buNone/>
-                </a:pPr>
-                <a:endParaRPr lang="en-US" sz="1000" dirty="0"/>
-              </a:p>
-              <a:p>
-                <a:pPr marL="0" indent="0">
-                  <a:buNone/>
-                </a:pPr>
-                <a:r>
-                  <a:rPr lang="en-US" sz="2400" dirty="0"/>
-                  <a:t>We want this measure of cluster heterogeneity to be as low as possible </a:t>
-                </a:r>
-              </a:p>
-              <a:p>
-                <a:pPr marL="0" indent="0">
-                  <a:buNone/>
-                </a:pPr>
-                <a:r>
-                  <a:rPr lang="en-US" sz="2400" dirty="0"/>
-                  <a:t>	-&gt; decrease when k increase!</a:t>
-                </a:r>
-              </a:p>
-            </p:txBody>
-          </p:sp>
-        </mc:Choice>
-        <mc:Fallback>
-          <p:sp>
-            <p:nvSpPr>
-              <p:cNvPr id="3" name="Content Placeholder 2">
-                <a:extLst>
-                  <a:ext uri="{FF2B5EF4-FFF2-40B4-BE49-F238E27FC236}">
-                    <a16:creationId xmlns:a16="http://schemas.microsoft.com/office/drawing/2014/main" id="{A956CB73-3E17-3B43-B3AC-C64FC1536AFC}"/>
-                  </a:ext>
-                </a:extLst>
-              </p:cNvPr>
-              <p:cNvSpPr>
-                <a:spLocks noGrp="1" noRot="1" noChangeAspect="1" noMove="1" noResize="1" noEditPoints="1" noAdjustHandles="1" noChangeArrowheads="1" noChangeShapeType="1" noTextEdit="1"/>
-              </p:cNvSpPr>
-              <p:nvPr>
-                <p:ph idx="1"/>
-              </p:nvPr>
-            </p:nvSpPr>
-            <p:spPr>
-              <a:xfrm>
-                <a:off x="547256" y="1166993"/>
-                <a:ext cx="6463144" cy="4180862"/>
-              </a:xfrm>
-              <a:blipFill>
-                <a:blip r:embed="rId3"/>
-                <a:stretch>
-                  <a:fillRect l="-1373" t="-1818"/>
-                </a:stretch>
-              </a:blipFill>
-              <a:ln>
-                <a:noFill/>
-              </a:ln>
-            </p:spPr>
-            <p:txBody>
-              <a:bodyPr/>
-              <a:lstStyle/>
-              <a:p>
-                <a:r>
-                  <a:rPr lang="en-US">
-                    <a:noFill/>
-                  </a:rPr>
-                  <a:t> </a:t>
-                </a:r>
-              </a:p>
-            </p:txBody>
-          </p:sp>
-        </mc:Fallback>
-      </mc:AlternateContent>
+              <a:t>How to choose k ?</a:t>
+            </a:r>
+          </a:p>
+        </p:txBody>
+      </p:sp>
       <p:grpSp>
         <p:nvGrpSpPr>
           <p:cNvPr id="4" name="Groupe 11">
@@ -21514,7 +21123,7 @@
         </p:nvCxnSpPr>
         <p:spPr>
           <a:xfrm flipV="1">
-            <a:off x="7495309" y="1828799"/>
+            <a:off x="1399309" y="1343890"/>
             <a:ext cx="0" cy="2452255"/>
           </a:xfrm>
           <a:prstGeom prst="straightConnector1">
@@ -21558,7 +21167,7 @@
         </p:nvCxnSpPr>
         <p:spPr>
           <a:xfrm flipV="1">
-            <a:off x="7495309" y="4281054"/>
+            <a:off x="1399309" y="3796145"/>
             <a:ext cx="3588328" cy="1"/>
           </a:xfrm>
           <a:prstGeom prst="straightConnector1">
@@ -21588,786 +21197,6 @@
       </p:cxnSp>
       <p:sp>
         <p:nvSpPr>
-          <p:cNvPr id="17" name="Oval 16">
-            <a:extLst>
-              <a:ext uri="{FF2B5EF4-FFF2-40B4-BE49-F238E27FC236}">
-                <a16:creationId xmlns:a16="http://schemas.microsoft.com/office/drawing/2014/main" id="{DBB7ED9F-1F6B-4D49-B309-E28626A533E5}"/>
-              </a:ext>
-            </a:extLst>
-          </p:cNvPr>
-          <p:cNvSpPr/>
-          <p:nvPr/>
-        </p:nvSpPr>
-        <p:spPr>
-          <a:xfrm>
-            <a:off x="7758546" y="2396836"/>
-            <a:ext cx="83127" cy="96982"/>
-          </a:xfrm>
-          <a:prstGeom prst="ellipse">
-            <a:avLst/>
-          </a:prstGeom>
-          <a:solidFill>
-            <a:srgbClr val="C00000"/>
-          </a:solidFill>
-          <a:ln>
-            <a:solidFill>
-              <a:srgbClr val="C00000"/>
-            </a:solidFill>
-          </a:ln>
-        </p:spPr>
-        <p:style>
-          <a:lnRef idx="2">
-            <a:schemeClr val="accent1"/>
-          </a:lnRef>
-          <a:fillRef idx="1">
-            <a:schemeClr val="lt1"/>
-          </a:fillRef>
-          <a:effectRef idx="0">
-            <a:schemeClr val="accent1"/>
-          </a:effectRef>
-          <a:fontRef idx="minor">
-            <a:schemeClr val="dk1"/>
-          </a:fontRef>
-        </p:style>
-        <p:txBody>
-          <a:bodyPr rtlCol="0" anchor="ctr"/>
-          <a:lstStyle/>
-          <a:p>
-            <a:pPr algn="ctr"/>
-            <a:endParaRPr lang="en-US"/>
-          </a:p>
-        </p:txBody>
-      </p:sp>
-      <p:sp>
-        <p:nvSpPr>
-          <p:cNvPr id="18" name="Oval 17">
-            <a:extLst>
-              <a:ext uri="{FF2B5EF4-FFF2-40B4-BE49-F238E27FC236}">
-                <a16:creationId xmlns:a16="http://schemas.microsoft.com/office/drawing/2014/main" id="{94FBC6B8-DFA6-CB46-A2D4-F09B690F840D}"/>
-              </a:ext>
-            </a:extLst>
-          </p:cNvPr>
-          <p:cNvSpPr/>
-          <p:nvPr/>
-        </p:nvSpPr>
-        <p:spPr>
-          <a:xfrm>
-            <a:off x="7910946" y="2549236"/>
-            <a:ext cx="83127" cy="96982"/>
-          </a:xfrm>
-          <a:prstGeom prst="ellipse">
-            <a:avLst/>
-          </a:prstGeom>
-          <a:solidFill>
-            <a:srgbClr val="C00000"/>
-          </a:solidFill>
-          <a:ln>
-            <a:solidFill>
-              <a:srgbClr val="C00000"/>
-            </a:solidFill>
-          </a:ln>
-        </p:spPr>
-        <p:style>
-          <a:lnRef idx="2">
-            <a:schemeClr val="accent1"/>
-          </a:lnRef>
-          <a:fillRef idx="1">
-            <a:schemeClr val="lt1"/>
-          </a:fillRef>
-          <a:effectRef idx="0">
-            <a:schemeClr val="accent1"/>
-          </a:effectRef>
-          <a:fontRef idx="minor">
-            <a:schemeClr val="dk1"/>
-          </a:fontRef>
-        </p:style>
-        <p:txBody>
-          <a:bodyPr rtlCol="0" anchor="ctr"/>
-          <a:lstStyle/>
-          <a:p>
-            <a:pPr algn="ctr"/>
-            <a:endParaRPr lang="en-US"/>
-          </a:p>
-        </p:txBody>
-      </p:sp>
-      <p:sp>
-        <p:nvSpPr>
-          <p:cNvPr id="19" name="Oval 18">
-            <a:extLst>
-              <a:ext uri="{FF2B5EF4-FFF2-40B4-BE49-F238E27FC236}">
-                <a16:creationId xmlns:a16="http://schemas.microsoft.com/office/drawing/2014/main" id="{5A11665F-FBF4-7A4E-9B43-1F3CCF62F049}"/>
-              </a:ext>
-            </a:extLst>
-          </p:cNvPr>
-          <p:cNvSpPr/>
-          <p:nvPr/>
-        </p:nvSpPr>
-        <p:spPr>
-          <a:xfrm>
-            <a:off x="8063346" y="2355273"/>
-            <a:ext cx="83127" cy="96982"/>
-          </a:xfrm>
-          <a:prstGeom prst="ellipse">
-            <a:avLst/>
-          </a:prstGeom>
-          <a:solidFill>
-            <a:srgbClr val="C00000"/>
-          </a:solidFill>
-          <a:ln>
-            <a:solidFill>
-              <a:srgbClr val="C00000"/>
-            </a:solidFill>
-          </a:ln>
-        </p:spPr>
-        <p:style>
-          <a:lnRef idx="2">
-            <a:schemeClr val="accent1"/>
-          </a:lnRef>
-          <a:fillRef idx="1">
-            <a:schemeClr val="lt1"/>
-          </a:fillRef>
-          <a:effectRef idx="0">
-            <a:schemeClr val="accent1"/>
-          </a:effectRef>
-          <a:fontRef idx="minor">
-            <a:schemeClr val="dk1"/>
-          </a:fontRef>
-        </p:style>
-        <p:txBody>
-          <a:bodyPr rtlCol="0" anchor="ctr"/>
-          <a:lstStyle/>
-          <a:p>
-            <a:pPr algn="ctr"/>
-            <a:endParaRPr lang="en-US"/>
-          </a:p>
-        </p:txBody>
-      </p:sp>
-      <p:sp>
-        <p:nvSpPr>
-          <p:cNvPr id="20" name="Oval 19">
-            <a:extLst>
-              <a:ext uri="{FF2B5EF4-FFF2-40B4-BE49-F238E27FC236}">
-                <a16:creationId xmlns:a16="http://schemas.microsoft.com/office/drawing/2014/main" id="{F9A06B8E-81E9-3740-80D0-3CA4D298E4ED}"/>
-              </a:ext>
-            </a:extLst>
-          </p:cNvPr>
-          <p:cNvSpPr/>
-          <p:nvPr/>
-        </p:nvSpPr>
-        <p:spPr>
-          <a:xfrm>
-            <a:off x="7827819" y="2770908"/>
-            <a:ext cx="83127" cy="96982"/>
-          </a:xfrm>
-          <a:prstGeom prst="ellipse">
-            <a:avLst/>
-          </a:prstGeom>
-          <a:solidFill>
-            <a:srgbClr val="C00000"/>
-          </a:solidFill>
-          <a:ln>
-            <a:solidFill>
-              <a:srgbClr val="C00000"/>
-            </a:solidFill>
-          </a:ln>
-        </p:spPr>
-        <p:style>
-          <a:lnRef idx="2">
-            <a:schemeClr val="accent1"/>
-          </a:lnRef>
-          <a:fillRef idx="1">
-            <a:schemeClr val="lt1"/>
-          </a:fillRef>
-          <a:effectRef idx="0">
-            <a:schemeClr val="accent1"/>
-          </a:effectRef>
-          <a:fontRef idx="minor">
-            <a:schemeClr val="dk1"/>
-          </a:fontRef>
-        </p:style>
-        <p:txBody>
-          <a:bodyPr rtlCol="0" anchor="ctr"/>
-          <a:lstStyle/>
-          <a:p>
-            <a:pPr algn="ctr"/>
-            <a:endParaRPr lang="en-US"/>
-          </a:p>
-        </p:txBody>
-      </p:sp>
-      <p:sp>
-        <p:nvSpPr>
-          <p:cNvPr id="21" name="Oval 20">
-            <a:extLst>
-              <a:ext uri="{FF2B5EF4-FFF2-40B4-BE49-F238E27FC236}">
-                <a16:creationId xmlns:a16="http://schemas.microsoft.com/office/drawing/2014/main" id="{854D3A93-F9F1-FF43-8BE1-74C9B43DB732}"/>
-              </a:ext>
-            </a:extLst>
-          </p:cNvPr>
-          <p:cNvSpPr/>
-          <p:nvPr/>
-        </p:nvSpPr>
-        <p:spPr>
-          <a:xfrm>
-            <a:off x="8188037" y="2618509"/>
-            <a:ext cx="83127" cy="96982"/>
-          </a:xfrm>
-          <a:prstGeom prst="ellipse">
-            <a:avLst/>
-          </a:prstGeom>
-          <a:solidFill>
-            <a:srgbClr val="C00000"/>
-          </a:solidFill>
-          <a:ln>
-            <a:solidFill>
-              <a:srgbClr val="C00000"/>
-            </a:solidFill>
-          </a:ln>
-        </p:spPr>
-        <p:style>
-          <a:lnRef idx="2">
-            <a:schemeClr val="accent1"/>
-          </a:lnRef>
-          <a:fillRef idx="1">
-            <a:schemeClr val="lt1"/>
-          </a:fillRef>
-          <a:effectRef idx="0">
-            <a:schemeClr val="accent1"/>
-          </a:effectRef>
-          <a:fontRef idx="minor">
-            <a:schemeClr val="dk1"/>
-          </a:fontRef>
-        </p:style>
-        <p:txBody>
-          <a:bodyPr rtlCol="0" anchor="ctr"/>
-          <a:lstStyle/>
-          <a:p>
-            <a:pPr algn="ctr"/>
-            <a:endParaRPr lang="en-US"/>
-          </a:p>
-        </p:txBody>
-      </p:sp>
-      <p:sp>
-        <p:nvSpPr>
-          <p:cNvPr id="22" name="Oval 21">
-            <a:extLst>
-              <a:ext uri="{FF2B5EF4-FFF2-40B4-BE49-F238E27FC236}">
-                <a16:creationId xmlns:a16="http://schemas.microsoft.com/office/drawing/2014/main" id="{69E953C7-AF30-0946-8D1A-7C273E668EC0}"/>
-              </a:ext>
-            </a:extLst>
-          </p:cNvPr>
-          <p:cNvSpPr/>
-          <p:nvPr/>
-        </p:nvSpPr>
-        <p:spPr>
-          <a:xfrm>
-            <a:off x="7883237" y="2140527"/>
-            <a:ext cx="83127" cy="96982"/>
-          </a:xfrm>
-          <a:prstGeom prst="ellipse">
-            <a:avLst/>
-          </a:prstGeom>
-          <a:solidFill>
-            <a:srgbClr val="C00000"/>
-          </a:solidFill>
-          <a:ln>
-            <a:solidFill>
-              <a:srgbClr val="C00000"/>
-            </a:solidFill>
-          </a:ln>
-        </p:spPr>
-        <p:style>
-          <a:lnRef idx="2">
-            <a:schemeClr val="accent1"/>
-          </a:lnRef>
-          <a:fillRef idx="1">
-            <a:schemeClr val="lt1"/>
-          </a:fillRef>
-          <a:effectRef idx="0">
-            <a:schemeClr val="accent1"/>
-          </a:effectRef>
-          <a:fontRef idx="minor">
-            <a:schemeClr val="dk1"/>
-          </a:fontRef>
-        </p:style>
-        <p:txBody>
-          <a:bodyPr rtlCol="0" anchor="ctr"/>
-          <a:lstStyle/>
-          <a:p>
-            <a:pPr algn="ctr"/>
-            <a:endParaRPr lang="en-US"/>
-          </a:p>
-        </p:txBody>
-      </p:sp>
-      <p:sp>
-        <p:nvSpPr>
-          <p:cNvPr id="23" name="Oval 22">
-            <a:extLst>
-              <a:ext uri="{FF2B5EF4-FFF2-40B4-BE49-F238E27FC236}">
-                <a16:creationId xmlns:a16="http://schemas.microsoft.com/office/drawing/2014/main" id="{1B6857A0-B653-8546-B146-6DA15AEC05A7}"/>
-              </a:ext>
-            </a:extLst>
-          </p:cNvPr>
-          <p:cNvSpPr/>
-          <p:nvPr/>
-        </p:nvSpPr>
-        <p:spPr>
-          <a:xfrm>
-            <a:off x="8063346" y="2784763"/>
-            <a:ext cx="83127" cy="96982"/>
-          </a:xfrm>
-          <a:prstGeom prst="ellipse">
-            <a:avLst/>
-          </a:prstGeom>
-          <a:solidFill>
-            <a:srgbClr val="C00000"/>
-          </a:solidFill>
-          <a:ln>
-            <a:solidFill>
-              <a:srgbClr val="C00000"/>
-            </a:solidFill>
-          </a:ln>
-        </p:spPr>
-        <p:style>
-          <a:lnRef idx="2">
-            <a:schemeClr val="accent1"/>
-          </a:lnRef>
-          <a:fillRef idx="1">
-            <a:schemeClr val="lt1"/>
-          </a:fillRef>
-          <a:effectRef idx="0">
-            <a:schemeClr val="accent1"/>
-          </a:effectRef>
-          <a:fontRef idx="minor">
-            <a:schemeClr val="dk1"/>
-          </a:fontRef>
-        </p:style>
-        <p:txBody>
-          <a:bodyPr rtlCol="0" anchor="ctr"/>
-          <a:lstStyle/>
-          <a:p>
-            <a:pPr algn="ctr"/>
-            <a:endParaRPr lang="en-US"/>
-          </a:p>
-        </p:txBody>
-      </p:sp>
-      <p:sp>
-        <p:nvSpPr>
-          <p:cNvPr id="24" name="Oval 23">
-            <a:extLst>
-              <a:ext uri="{FF2B5EF4-FFF2-40B4-BE49-F238E27FC236}">
-                <a16:creationId xmlns:a16="http://schemas.microsoft.com/office/drawing/2014/main" id="{B1419EB0-83E6-8946-B272-590DB968EAE0}"/>
-              </a:ext>
-            </a:extLst>
-          </p:cNvPr>
-          <p:cNvSpPr/>
-          <p:nvPr/>
-        </p:nvSpPr>
-        <p:spPr>
-          <a:xfrm>
-            <a:off x="8298873" y="2369127"/>
-            <a:ext cx="83127" cy="96982"/>
-          </a:xfrm>
-          <a:prstGeom prst="ellipse">
-            <a:avLst/>
-          </a:prstGeom>
-          <a:solidFill>
-            <a:srgbClr val="C00000"/>
-          </a:solidFill>
-          <a:ln>
-            <a:solidFill>
-              <a:srgbClr val="C00000"/>
-            </a:solidFill>
-          </a:ln>
-        </p:spPr>
-        <p:style>
-          <a:lnRef idx="2">
-            <a:schemeClr val="accent1"/>
-          </a:lnRef>
-          <a:fillRef idx="1">
-            <a:schemeClr val="lt1"/>
-          </a:fillRef>
-          <a:effectRef idx="0">
-            <a:schemeClr val="accent1"/>
-          </a:effectRef>
-          <a:fontRef idx="minor">
-            <a:schemeClr val="dk1"/>
-          </a:fontRef>
-        </p:style>
-        <p:txBody>
-          <a:bodyPr rtlCol="0" anchor="ctr"/>
-          <a:lstStyle/>
-          <a:p>
-            <a:pPr algn="ctr"/>
-            <a:endParaRPr lang="en-US"/>
-          </a:p>
-        </p:txBody>
-      </p:sp>
-      <p:sp>
-        <p:nvSpPr>
-          <p:cNvPr id="25" name="Oval 24">
-            <a:extLst>
-              <a:ext uri="{FF2B5EF4-FFF2-40B4-BE49-F238E27FC236}">
-                <a16:creationId xmlns:a16="http://schemas.microsoft.com/office/drawing/2014/main" id="{2836BA94-2CD4-8543-9ABA-AB5904F812D9}"/>
-              </a:ext>
-            </a:extLst>
-          </p:cNvPr>
-          <p:cNvSpPr/>
-          <p:nvPr/>
-        </p:nvSpPr>
-        <p:spPr>
-          <a:xfrm>
-            <a:off x="8451273" y="3519057"/>
-            <a:ext cx="83127" cy="96982"/>
-          </a:xfrm>
-          <a:prstGeom prst="ellipse">
-            <a:avLst/>
-          </a:prstGeom>
-          <a:solidFill>
-            <a:schemeClr val="accent6"/>
-          </a:solidFill>
-          <a:ln>
-            <a:solidFill>
-              <a:schemeClr val="accent6"/>
-            </a:solidFill>
-          </a:ln>
-        </p:spPr>
-        <p:style>
-          <a:lnRef idx="2">
-            <a:schemeClr val="accent2"/>
-          </a:lnRef>
-          <a:fillRef idx="1">
-            <a:schemeClr val="lt1"/>
-          </a:fillRef>
-          <a:effectRef idx="0">
-            <a:schemeClr val="accent2"/>
-          </a:effectRef>
-          <a:fontRef idx="minor">
-            <a:schemeClr val="dk1"/>
-          </a:fontRef>
-        </p:style>
-        <p:txBody>
-          <a:bodyPr rtlCol="0" anchor="ctr"/>
-          <a:lstStyle/>
-          <a:p>
-            <a:pPr algn="ctr"/>
-            <a:endParaRPr lang="en-US"/>
-          </a:p>
-        </p:txBody>
-      </p:sp>
-      <p:sp>
-        <p:nvSpPr>
-          <p:cNvPr id="26" name="Oval 25">
-            <a:extLst>
-              <a:ext uri="{FF2B5EF4-FFF2-40B4-BE49-F238E27FC236}">
-                <a16:creationId xmlns:a16="http://schemas.microsoft.com/office/drawing/2014/main" id="{6536B943-3A8E-5345-8CBD-B68E6F98B0D1}"/>
-              </a:ext>
-            </a:extLst>
-          </p:cNvPr>
-          <p:cNvSpPr/>
-          <p:nvPr/>
-        </p:nvSpPr>
-        <p:spPr>
-          <a:xfrm>
-            <a:off x="8603673" y="3671457"/>
-            <a:ext cx="83127" cy="96982"/>
-          </a:xfrm>
-          <a:prstGeom prst="ellipse">
-            <a:avLst/>
-          </a:prstGeom>
-          <a:solidFill>
-            <a:schemeClr val="accent6"/>
-          </a:solidFill>
-          <a:ln>
-            <a:solidFill>
-              <a:schemeClr val="accent6"/>
-            </a:solidFill>
-          </a:ln>
-        </p:spPr>
-        <p:style>
-          <a:lnRef idx="2">
-            <a:schemeClr val="accent2"/>
-          </a:lnRef>
-          <a:fillRef idx="1">
-            <a:schemeClr val="lt1"/>
-          </a:fillRef>
-          <a:effectRef idx="0">
-            <a:schemeClr val="accent2"/>
-          </a:effectRef>
-          <a:fontRef idx="minor">
-            <a:schemeClr val="dk1"/>
-          </a:fontRef>
-        </p:style>
-        <p:txBody>
-          <a:bodyPr rtlCol="0" anchor="ctr"/>
-          <a:lstStyle/>
-          <a:p>
-            <a:pPr algn="ctr"/>
-            <a:endParaRPr lang="en-US"/>
-          </a:p>
-        </p:txBody>
-      </p:sp>
-      <p:sp>
-        <p:nvSpPr>
-          <p:cNvPr id="27" name="Oval 26">
-            <a:extLst>
-              <a:ext uri="{FF2B5EF4-FFF2-40B4-BE49-F238E27FC236}">
-                <a16:creationId xmlns:a16="http://schemas.microsoft.com/office/drawing/2014/main" id="{623BBF45-19DE-AC46-998E-A02A40CE4147}"/>
-              </a:ext>
-            </a:extLst>
-          </p:cNvPr>
-          <p:cNvSpPr/>
-          <p:nvPr/>
-        </p:nvSpPr>
-        <p:spPr>
-          <a:xfrm>
-            <a:off x="8714509" y="3435929"/>
-            <a:ext cx="83127" cy="96982"/>
-          </a:xfrm>
-          <a:prstGeom prst="ellipse">
-            <a:avLst/>
-          </a:prstGeom>
-          <a:solidFill>
-            <a:schemeClr val="accent6"/>
-          </a:solidFill>
-          <a:ln>
-            <a:solidFill>
-              <a:schemeClr val="accent6"/>
-            </a:solidFill>
-          </a:ln>
-        </p:spPr>
-        <p:style>
-          <a:lnRef idx="2">
-            <a:schemeClr val="accent2"/>
-          </a:lnRef>
-          <a:fillRef idx="1">
-            <a:schemeClr val="lt1"/>
-          </a:fillRef>
-          <a:effectRef idx="0">
-            <a:schemeClr val="accent2"/>
-          </a:effectRef>
-          <a:fontRef idx="minor">
-            <a:schemeClr val="dk1"/>
-          </a:fontRef>
-        </p:style>
-        <p:txBody>
-          <a:bodyPr rtlCol="0" anchor="ctr"/>
-          <a:lstStyle/>
-          <a:p>
-            <a:pPr algn="ctr"/>
-            <a:endParaRPr lang="en-US"/>
-          </a:p>
-        </p:txBody>
-      </p:sp>
-      <p:sp>
-        <p:nvSpPr>
-          <p:cNvPr id="28" name="Oval 27">
-            <a:extLst>
-              <a:ext uri="{FF2B5EF4-FFF2-40B4-BE49-F238E27FC236}">
-                <a16:creationId xmlns:a16="http://schemas.microsoft.com/office/drawing/2014/main" id="{2505B2E3-8BD1-E44E-8D8F-A09A6D93E085}"/>
-              </a:ext>
-            </a:extLst>
-          </p:cNvPr>
-          <p:cNvSpPr/>
-          <p:nvPr/>
-        </p:nvSpPr>
-        <p:spPr>
-          <a:xfrm>
-            <a:off x="8437418" y="3782294"/>
-            <a:ext cx="83127" cy="96982"/>
-          </a:xfrm>
-          <a:prstGeom prst="ellipse">
-            <a:avLst/>
-          </a:prstGeom>
-          <a:solidFill>
-            <a:schemeClr val="accent6"/>
-          </a:solidFill>
-          <a:ln>
-            <a:solidFill>
-              <a:schemeClr val="accent6"/>
-            </a:solidFill>
-          </a:ln>
-        </p:spPr>
-        <p:style>
-          <a:lnRef idx="2">
-            <a:schemeClr val="accent2"/>
-          </a:lnRef>
-          <a:fillRef idx="1">
-            <a:schemeClr val="lt1"/>
-          </a:fillRef>
-          <a:effectRef idx="0">
-            <a:schemeClr val="accent2"/>
-          </a:effectRef>
-          <a:fontRef idx="minor">
-            <a:schemeClr val="dk1"/>
-          </a:fontRef>
-        </p:style>
-        <p:txBody>
-          <a:bodyPr rtlCol="0" anchor="ctr"/>
-          <a:lstStyle/>
-          <a:p>
-            <a:pPr algn="ctr"/>
-            <a:endParaRPr lang="en-US"/>
-          </a:p>
-        </p:txBody>
-      </p:sp>
-      <p:sp>
-        <p:nvSpPr>
-          <p:cNvPr id="30" name="Oval 29">
-            <a:extLst>
-              <a:ext uri="{FF2B5EF4-FFF2-40B4-BE49-F238E27FC236}">
-                <a16:creationId xmlns:a16="http://schemas.microsoft.com/office/drawing/2014/main" id="{546547CE-6890-1244-8C2B-81EA008B6D61}"/>
-              </a:ext>
-            </a:extLst>
-          </p:cNvPr>
-          <p:cNvSpPr/>
-          <p:nvPr/>
-        </p:nvSpPr>
-        <p:spPr>
-          <a:xfrm>
-            <a:off x="9365675" y="3006428"/>
-            <a:ext cx="83127" cy="96982"/>
-          </a:xfrm>
-          <a:prstGeom prst="ellipse">
-            <a:avLst/>
-          </a:prstGeom>
-          <a:solidFill>
-            <a:schemeClr val="accent2"/>
-          </a:solidFill>
-          <a:ln>
-            <a:solidFill>
-              <a:schemeClr val="accent2"/>
-            </a:solidFill>
-          </a:ln>
-        </p:spPr>
-        <p:style>
-          <a:lnRef idx="2">
-            <a:schemeClr val="accent2"/>
-          </a:lnRef>
-          <a:fillRef idx="1">
-            <a:schemeClr val="lt1"/>
-          </a:fillRef>
-          <a:effectRef idx="0">
-            <a:schemeClr val="accent2"/>
-          </a:effectRef>
-          <a:fontRef idx="minor">
-            <a:schemeClr val="dk1"/>
-          </a:fontRef>
-        </p:style>
-        <p:txBody>
-          <a:bodyPr rtlCol="0" anchor="ctr"/>
-          <a:lstStyle/>
-          <a:p>
-            <a:pPr algn="ctr"/>
-            <a:endParaRPr lang="en-US"/>
-          </a:p>
-        </p:txBody>
-      </p:sp>
-      <p:sp>
-        <p:nvSpPr>
-          <p:cNvPr id="31" name="Oval 30">
-            <a:extLst>
-              <a:ext uri="{FF2B5EF4-FFF2-40B4-BE49-F238E27FC236}">
-                <a16:creationId xmlns:a16="http://schemas.microsoft.com/office/drawing/2014/main" id="{22E9A5EC-FDDF-EE44-B183-F1A045EEF968}"/>
-              </a:ext>
-            </a:extLst>
-          </p:cNvPr>
-          <p:cNvSpPr/>
-          <p:nvPr/>
-        </p:nvSpPr>
-        <p:spPr>
-          <a:xfrm>
-            <a:off x="9518075" y="3158828"/>
-            <a:ext cx="83127" cy="96982"/>
-          </a:xfrm>
-          <a:prstGeom prst="ellipse">
-            <a:avLst/>
-          </a:prstGeom>
-          <a:solidFill>
-            <a:schemeClr val="accent2"/>
-          </a:solidFill>
-          <a:ln>
-            <a:solidFill>
-              <a:schemeClr val="accent2"/>
-            </a:solidFill>
-          </a:ln>
-        </p:spPr>
-        <p:style>
-          <a:lnRef idx="2">
-            <a:schemeClr val="accent2"/>
-          </a:lnRef>
-          <a:fillRef idx="1">
-            <a:schemeClr val="lt1"/>
-          </a:fillRef>
-          <a:effectRef idx="0">
-            <a:schemeClr val="accent2"/>
-          </a:effectRef>
-          <a:fontRef idx="minor">
-            <a:schemeClr val="dk1"/>
-          </a:fontRef>
-        </p:style>
-        <p:txBody>
-          <a:bodyPr rtlCol="0" anchor="ctr"/>
-          <a:lstStyle/>
-          <a:p>
-            <a:pPr algn="ctr"/>
-            <a:endParaRPr lang="en-US"/>
-          </a:p>
-        </p:txBody>
-      </p:sp>
-      <p:sp>
-        <p:nvSpPr>
-          <p:cNvPr id="32" name="Oval 31">
-            <a:extLst>
-              <a:ext uri="{FF2B5EF4-FFF2-40B4-BE49-F238E27FC236}">
-                <a16:creationId xmlns:a16="http://schemas.microsoft.com/office/drawing/2014/main" id="{7EC4DC16-763E-E34F-B984-CC0819C9BAAF}"/>
-              </a:ext>
-            </a:extLst>
-          </p:cNvPr>
-          <p:cNvSpPr/>
-          <p:nvPr/>
-        </p:nvSpPr>
-        <p:spPr>
-          <a:xfrm>
-            <a:off x="9670475" y="2978712"/>
-            <a:ext cx="83127" cy="96982"/>
-          </a:xfrm>
-          <a:prstGeom prst="ellipse">
-            <a:avLst/>
-          </a:prstGeom>
-          <a:solidFill>
-            <a:schemeClr val="accent2"/>
-          </a:solidFill>
-          <a:ln>
-            <a:solidFill>
-              <a:schemeClr val="accent2"/>
-            </a:solidFill>
-          </a:ln>
-        </p:spPr>
-        <p:style>
-          <a:lnRef idx="2">
-            <a:schemeClr val="accent2"/>
-          </a:lnRef>
-          <a:fillRef idx="1">
-            <a:schemeClr val="lt1"/>
-          </a:fillRef>
-          <a:effectRef idx="0">
-            <a:schemeClr val="accent2"/>
-          </a:effectRef>
-          <a:fontRef idx="minor">
-            <a:schemeClr val="dk1"/>
-          </a:fontRef>
-        </p:style>
-        <p:txBody>
-          <a:bodyPr rtlCol="0" anchor="ctr"/>
-          <a:lstStyle/>
-          <a:p>
-            <a:pPr algn="ctr"/>
-            <a:endParaRPr lang="en-US"/>
-          </a:p>
-        </p:txBody>
-      </p:sp>
-      <p:sp>
-        <p:nvSpPr>
           <p:cNvPr id="33" name="TextBox 32">
             <a:extLst>
               <a:ext uri="{FF2B5EF4-FFF2-40B4-BE49-F238E27FC236}">
@@ -22380,8 +21209,8 @@
         </p:nvSpPr>
         <p:spPr>
           <a:xfrm>
-            <a:off x="10183091" y="4336473"/>
-            <a:ext cx="1205346" cy="369332"/>
+            <a:off x="4724400" y="3837709"/>
+            <a:ext cx="304800" cy="369332"/>
           </a:xfrm>
           <a:prstGeom prst="rect">
             <a:avLst/>
@@ -22399,7 +21228,7 @@
           <a:p>
             <a:r>
               <a:rPr lang="en-US" dirty="0"/>
-              <a:t>Feature 1</a:t>
+              <a:t>k</a:t>
             </a:r>
           </a:p>
         </p:txBody>
@@ -22418,8 +21247,8 @@
         </p:nvSpPr>
         <p:spPr>
           <a:xfrm rot="16200000">
-            <a:off x="6677891" y="2052843"/>
-            <a:ext cx="1205346" cy="369332"/>
+            <a:off x="602673" y="1325479"/>
+            <a:ext cx="969820" cy="369332"/>
           </a:xfrm>
           <a:prstGeom prst="rect">
             <a:avLst/>
@@ -22437,17 +21266,17 @@
           <a:p>
             <a:r>
               <a:rPr lang="en-US" dirty="0"/>
-              <a:t>Feature 2</a:t>
-            </a:r>
-          </a:p>
-        </p:txBody>
-      </p:sp>
-      <p:sp>
-        <p:nvSpPr>
-          <p:cNvPr id="36" name="Oval 35">
-            <a:extLst>
-              <a:ext uri="{FF2B5EF4-FFF2-40B4-BE49-F238E27FC236}">
-                <a16:creationId xmlns:a16="http://schemas.microsoft.com/office/drawing/2014/main" id="{46485B88-E274-374C-B378-C485AE031B98}"/>
+              <a:t>Inertia</a:t>
+            </a:r>
+          </a:p>
+        </p:txBody>
+      </p:sp>
+      <p:sp>
+        <p:nvSpPr>
+          <p:cNvPr id="8" name="Oval 7">
+            <a:extLst>
+              <a:ext uri="{FF2B5EF4-FFF2-40B4-BE49-F238E27FC236}">
+                <a16:creationId xmlns:a16="http://schemas.microsoft.com/office/drawing/2014/main" id="{F3B1A592-C458-0C43-A3F1-F3D981BD08E1}"/>
               </a:ext>
             </a:extLst>
           </p:cNvPr>
@@ -22456,124 +21285,12 @@
         </p:nvSpPr>
         <p:spPr>
           <a:xfrm>
-            <a:off x="8908473" y="3976257"/>
-            <a:ext cx="83127" cy="96982"/>
+            <a:off x="1662546" y="2105891"/>
+            <a:ext cx="138545" cy="138545"/>
           </a:xfrm>
           <a:prstGeom prst="ellipse">
             <a:avLst/>
           </a:prstGeom>
-          <a:solidFill>
-            <a:schemeClr val="accent6"/>
-          </a:solidFill>
-          <a:ln>
-            <a:solidFill>
-              <a:schemeClr val="accent6"/>
-            </a:solidFill>
-          </a:ln>
-        </p:spPr>
-        <p:style>
-          <a:lnRef idx="2">
-            <a:schemeClr val="accent2"/>
-          </a:lnRef>
-          <a:fillRef idx="1">
-            <a:schemeClr val="lt1"/>
-          </a:fillRef>
-          <a:effectRef idx="0">
-            <a:schemeClr val="accent2"/>
-          </a:effectRef>
-          <a:fontRef idx="minor">
-            <a:schemeClr val="dk1"/>
-          </a:fontRef>
-        </p:style>
-        <p:txBody>
-          <a:bodyPr rtlCol="0" anchor="ctr"/>
-          <a:lstStyle/>
-          <a:p>
-            <a:pPr algn="ctr"/>
-            <a:endParaRPr lang="en-US"/>
-          </a:p>
-        </p:txBody>
-      </p:sp>
-      <p:sp>
-        <p:nvSpPr>
-          <p:cNvPr id="37" name="Oval 36">
-            <a:extLst>
-              <a:ext uri="{FF2B5EF4-FFF2-40B4-BE49-F238E27FC236}">
-                <a16:creationId xmlns:a16="http://schemas.microsoft.com/office/drawing/2014/main" id="{C88F6A20-7EEF-C348-9ABA-64552ACF94AF}"/>
-              </a:ext>
-            </a:extLst>
-          </p:cNvPr>
-          <p:cNvSpPr/>
-          <p:nvPr/>
-        </p:nvSpPr>
-        <p:spPr>
-          <a:xfrm>
-            <a:off x="8756073" y="3823857"/>
-            <a:ext cx="83127" cy="96982"/>
-          </a:xfrm>
-          <a:prstGeom prst="ellipse">
-            <a:avLst/>
-          </a:prstGeom>
-          <a:solidFill>
-            <a:schemeClr val="accent6"/>
-          </a:solidFill>
-          <a:ln>
-            <a:solidFill>
-              <a:schemeClr val="accent6"/>
-            </a:solidFill>
-          </a:ln>
-        </p:spPr>
-        <p:style>
-          <a:lnRef idx="2">
-            <a:schemeClr val="accent2"/>
-          </a:lnRef>
-          <a:fillRef idx="1">
-            <a:schemeClr val="lt1"/>
-          </a:fillRef>
-          <a:effectRef idx="0">
-            <a:schemeClr val="accent2"/>
-          </a:effectRef>
-          <a:fontRef idx="minor">
-            <a:schemeClr val="dk1"/>
-          </a:fontRef>
-        </p:style>
-        <p:txBody>
-          <a:bodyPr rtlCol="0" anchor="ctr"/>
-          <a:lstStyle/>
-          <a:p>
-            <a:pPr algn="ctr"/>
-            <a:endParaRPr lang="en-US"/>
-          </a:p>
-        </p:txBody>
-      </p:sp>
-      <p:sp>
-        <p:nvSpPr>
-          <p:cNvPr id="7" name="Triangle 6">
-            <a:extLst>
-              <a:ext uri="{FF2B5EF4-FFF2-40B4-BE49-F238E27FC236}">
-                <a16:creationId xmlns:a16="http://schemas.microsoft.com/office/drawing/2014/main" id="{62F73B06-8FE5-9146-8656-B9D403D31B63}"/>
-              </a:ext>
-            </a:extLst>
-          </p:cNvPr>
-          <p:cNvSpPr/>
-          <p:nvPr/>
-        </p:nvSpPr>
-        <p:spPr>
-          <a:xfrm>
-            <a:off x="7938657" y="2438400"/>
-            <a:ext cx="180109" cy="207818"/>
-          </a:xfrm>
-          <a:prstGeom prst="triangle">
-            <a:avLst/>
-          </a:prstGeom>
-          <a:solidFill>
-            <a:srgbClr val="C00000"/>
-          </a:solidFill>
-          <a:ln>
-            <a:solidFill>
-              <a:srgbClr val="C00000"/>
-            </a:solidFill>
-          </a:ln>
         </p:spPr>
         <p:style>
           <a:lnRef idx="2">
@@ -22602,10 +21319,10 @@
       </p:sp>
       <p:sp>
         <p:nvSpPr>
-          <p:cNvPr id="29" name="Triangle 28">
-            <a:extLst>
-              <a:ext uri="{FF2B5EF4-FFF2-40B4-BE49-F238E27FC236}">
-                <a16:creationId xmlns:a16="http://schemas.microsoft.com/office/drawing/2014/main" id="{94A34A7E-BEFA-2D4A-BFC3-01564943EE83}"/>
+          <p:cNvPr id="38" name="Oval 37">
+            <a:extLst>
+              <a:ext uri="{FF2B5EF4-FFF2-40B4-BE49-F238E27FC236}">
+                <a16:creationId xmlns:a16="http://schemas.microsoft.com/office/drawing/2014/main" id="{CD2AB236-1D22-8140-B5A9-65EC762660C5}"/>
               </a:ext>
             </a:extLst>
           </p:cNvPr>
@@ -22614,20 +21331,12 @@
         </p:nvSpPr>
         <p:spPr>
           <a:xfrm>
-            <a:off x="9462665" y="2964877"/>
-            <a:ext cx="180109" cy="207818"/>
-          </a:xfrm>
-          <a:prstGeom prst="triangle">
-            <a:avLst/>
-          </a:prstGeom>
-          <a:solidFill>
-            <a:schemeClr val="accent2"/>
-          </a:solidFill>
-          <a:ln>
-            <a:solidFill>
-              <a:schemeClr val="accent2"/>
-            </a:solidFill>
-          </a:ln>
+            <a:off x="2036624" y="2757057"/>
+            <a:ext cx="138545" cy="138545"/>
+          </a:xfrm>
+          <a:prstGeom prst="ellipse">
+            <a:avLst/>
+          </a:prstGeom>
         </p:spPr>
         <p:style>
           <a:lnRef idx="2">
@@ -22656,10 +21365,10 @@
       </p:sp>
       <p:sp>
         <p:nvSpPr>
-          <p:cNvPr id="35" name="Triangle 34">
-            <a:extLst>
-              <a:ext uri="{FF2B5EF4-FFF2-40B4-BE49-F238E27FC236}">
-                <a16:creationId xmlns:a16="http://schemas.microsoft.com/office/drawing/2014/main" id="{B2C49BA4-A874-D541-ACB8-38AD71FDDBF1}"/>
+          <p:cNvPr id="39" name="Oval 38">
+            <a:extLst>
+              <a:ext uri="{FF2B5EF4-FFF2-40B4-BE49-F238E27FC236}">
+                <a16:creationId xmlns:a16="http://schemas.microsoft.com/office/drawing/2014/main" id="{FDC10741-B066-FC41-B6FE-FBB661E7D11C}"/>
               </a:ext>
             </a:extLst>
           </p:cNvPr>
@@ -22668,20 +21377,12 @@
         </p:nvSpPr>
         <p:spPr>
           <a:xfrm>
-            <a:off x="8631393" y="3671461"/>
-            <a:ext cx="180109" cy="207818"/>
-          </a:xfrm>
-          <a:prstGeom prst="triangle">
-            <a:avLst/>
-          </a:prstGeom>
-          <a:solidFill>
-            <a:schemeClr val="accent6"/>
-          </a:solidFill>
-          <a:ln>
-            <a:solidFill>
-              <a:schemeClr val="accent6"/>
-            </a:solidFill>
-          </a:ln>
+            <a:off x="2604663" y="3241966"/>
+            <a:ext cx="138545" cy="138545"/>
+          </a:xfrm>
+          <a:prstGeom prst="ellipse">
+            <a:avLst/>
+          </a:prstGeom>
         </p:spPr>
         <p:style>
           <a:lnRef idx="2">
@@ -22708,232 +21409,300 @@
           </a:p>
         </p:txBody>
       </p:sp>
-    </p:spTree>
-    <p:extLst>
-      <p:ext uri="{BB962C8B-B14F-4D97-AF65-F5344CB8AC3E}">
-        <p14:creationId xmlns:p14="http://schemas.microsoft.com/office/powerpoint/2010/main" val="898078105"/>
-      </p:ext>
-    </p:extLst>
-  </p:cSld>
-  <p:clrMapOvr>
-    <a:masterClrMapping/>
-  </p:clrMapOvr>
-</p:sld>
-</file>
-
-<file path=ppt/slides/slide22.xml><?xml version="1.0" encoding="utf-8"?>
-<p:sld xmlns:a="http://schemas.openxmlformats.org/drawingml/2006/main" xmlns:r="http://schemas.openxmlformats.org/officeDocument/2006/relationships" xmlns:p="http://schemas.openxmlformats.org/presentationml/2006/main">
-  <p:cSld>
-    <p:spTree>
-      <p:nvGrpSpPr>
-        <p:cNvPr id="1" name=""/>
-        <p:cNvGrpSpPr/>
-        <p:nvPr/>
-      </p:nvGrpSpPr>
-      <p:grpSpPr>
-        <a:xfrm>
-          <a:off x="0" y="0"/>
-          <a:ext cx="0" cy="0"/>
-          <a:chOff x="0" y="0"/>
-          <a:chExt cx="0" cy="0"/>
-        </a:xfrm>
-      </p:grpSpPr>
-      <p:sp>
-        <p:nvSpPr>
-          <p:cNvPr id="2" name="Title 1">
-            <a:extLst>
-              <a:ext uri="{FF2B5EF4-FFF2-40B4-BE49-F238E27FC236}">
-                <a16:creationId xmlns:a16="http://schemas.microsoft.com/office/drawing/2014/main" id="{5FD2FB18-0A16-D941-BF91-E1D903799CFB}"/>
-              </a:ext>
-            </a:extLst>
-          </p:cNvPr>
-          <p:cNvSpPr>
-            <a:spLocks noGrp="1"/>
-          </p:cNvSpPr>
-          <p:nvPr>
-            <p:ph type="title"/>
-          </p:nvPr>
-        </p:nvSpPr>
-        <p:spPr>
-          <a:xfrm>
-            <a:off x="990600" y="0"/>
-            <a:ext cx="10515600" cy="1325563"/>
-          </a:xfrm>
-        </p:spPr>
-        <p:txBody>
-          <a:bodyPr/>
-          <a:lstStyle/>
-          <a:p>
-            <a:r>
-              <a:rPr lang="en-US" dirty="0"/>
-              <a:t>How to choose k ?</a:t>
-            </a:r>
-          </a:p>
-        </p:txBody>
-      </p:sp>
-      <p:grpSp>
-        <p:nvGrpSpPr>
-          <p:cNvPr id="4" name="Groupe 11">
-            <a:extLst>
-              <a:ext uri="{FF2B5EF4-FFF2-40B4-BE49-F238E27FC236}">
-                <a16:creationId xmlns:a16="http://schemas.microsoft.com/office/drawing/2014/main" id="{2D04A576-5436-8745-A9C8-98823B178F70}"/>
-              </a:ext>
-            </a:extLst>
-          </p:cNvPr>
-          <p:cNvGrpSpPr/>
-          <p:nvPr/>
-        </p:nvGrpSpPr>
-        <p:grpSpPr>
-          <a:xfrm>
-            <a:off x="-13856" y="6214952"/>
-            <a:ext cx="12205855" cy="643054"/>
-            <a:chOff x="0" y="4661210"/>
-            <a:chExt cx="9144000" cy="482290"/>
-          </a:xfrm>
-        </p:grpSpPr>
-        <p:sp>
-          <p:nvSpPr>
-            <p:cNvPr id="5" name="Rectangle 4">
-              <a:extLst>
-                <a:ext uri="{FF2B5EF4-FFF2-40B4-BE49-F238E27FC236}">
-                  <a16:creationId xmlns:a16="http://schemas.microsoft.com/office/drawing/2014/main" id="{BA408CAF-9DA0-EE49-B8B6-FD1FE582D449}"/>
-                </a:ext>
-              </a:extLst>
-            </p:cNvPr>
-            <p:cNvSpPr/>
-            <p:nvPr/>
-          </p:nvSpPr>
-          <p:spPr>
-            <a:xfrm>
-              <a:off x="0" y="4661210"/>
-              <a:ext cx="9144000" cy="482290"/>
-            </a:xfrm>
-            <a:prstGeom prst="rect">
-              <a:avLst/>
-            </a:prstGeom>
-            <a:solidFill>
-              <a:schemeClr val="tx1">
-                <a:lumMod val="65000"/>
-                <a:lumOff val="35000"/>
-              </a:schemeClr>
-            </a:solidFill>
-            <a:ln>
-              <a:solidFill>
-                <a:schemeClr val="tx1">
-                  <a:lumMod val="65000"/>
-                  <a:lumOff val="35000"/>
-                </a:schemeClr>
-              </a:solidFill>
-            </a:ln>
-          </p:spPr>
-          <p:style>
-            <a:lnRef idx="2">
-              <a:schemeClr val="dk1">
-                <a:shade val="50000"/>
-              </a:schemeClr>
-            </a:lnRef>
-            <a:fillRef idx="1">
-              <a:schemeClr val="dk1"/>
-            </a:fillRef>
-            <a:effectRef idx="0">
-              <a:schemeClr val="dk1"/>
-            </a:effectRef>
-            <a:fontRef idx="minor">
-              <a:schemeClr val="lt1"/>
-            </a:fontRef>
-          </p:style>
-          <p:txBody>
-            <a:bodyPr rtlCol="0" anchor="ctr"/>
-            <a:lstStyle/>
-            <a:p>
-              <a:pPr algn="ctr"/>
-              <a:endParaRPr lang="fr-FR" sz="2400"/>
-            </a:p>
-          </p:txBody>
-        </p:sp>
-        <p:sp>
-          <p:nvSpPr>
-            <p:cNvPr id="6" name="ZoneTexte 10">
-              <a:extLst>
-                <a:ext uri="{FF2B5EF4-FFF2-40B4-BE49-F238E27FC236}">
-                  <a16:creationId xmlns:a16="http://schemas.microsoft.com/office/drawing/2014/main" id="{68A9EB41-91ED-6241-935D-ADF2E43727A3}"/>
-                </a:ext>
-              </a:extLst>
-            </p:cNvPr>
-            <p:cNvSpPr txBox="1"/>
-            <p:nvPr/>
-          </p:nvSpPr>
-          <p:spPr>
-            <a:xfrm>
-              <a:off x="179512" y="4753476"/>
-              <a:ext cx="3650383" cy="315423"/>
-            </a:xfrm>
-            <a:prstGeom prst="rect">
-              <a:avLst/>
-            </a:prstGeom>
-            <a:noFill/>
-            <a:ln>
-              <a:solidFill>
-                <a:schemeClr val="tx1">
-                  <a:lumMod val="65000"/>
-                  <a:lumOff val="35000"/>
-                </a:schemeClr>
-              </a:solidFill>
-            </a:ln>
-          </p:spPr>
-          <p:txBody>
-            <a:bodyPr wrap="square" rtlCol="0">
-              <a:spAutoFit/>
-            </a:bodyPr>
-            <a:lstStyle/>
-            <a:p>
-              <a:r>
-                <a:rPr lang="fr-FR" sz="2133" dirty="0">
-                  <a:solidFill>
-                    <a:schemeClr val="bg1"/>
-                  </a:solidFill>
-                </a:rPr>
-                <a:t>Sprint 4 – </a:t>
-              </a:r>
-              <a:r>
-                <a:rPr lang="fr-FR" sz="2133" dirty="0" err="1">
-                  <a:solidFill>
-                    <a:schemeClr val="bg1"/>
-                  </a:solidFill>
-                </a:rPr>
-                <a:t>Clustering</a:t>
-              </a:r>
-              <a:r>
-                <a:rPr lang="fr-FR" sz="2133" dirty="0">
-                  <a:solidFill>
-                    <a:schemeClr val="bg1"/>
-                  </a:solidFill>
-                </a:rPr>
-                <a:t> and topic </a:t>
-              </a:r>
-              <a:r>
-                <a:rPr lang="fr-FR" sz="2133" dirty="0" err="1">
-                  <a:solidFill>
-                    <a:schemeClr val="bg1"/>
-                  </a:solidFill>
-                </a:rPr>
-                <a:t>modeling</a:t>
-              </a:r>
-              <a:endParaRPr lang="fr-FR" sz="2133" dirty="0">
-                <a:solidFill>
-                  <a:schemeClr val="bg1"/>
-                </a:solidFill>
-              </a:endParaRPr>
-            </a:p>
-          </p:txBody>
-        </p:sp>
-      </p:grpSp>
+      <p:sp>
+        <p:nvSpPr>
+          <p:cNvPr id="40" name="Oval 39">
+            <a:extLst>
+              <a:ext uri="{FF2B5EF4-FFF2-40B4-BE49-F238E27FC236}">
+                <a16:creationId xmlns:a16="http://schemas.microsoft.com/office/drawing/2014/main" id="{64D2E1DF-3358-C442-94CC-387A864343AB}"/>
+              </a:ext>
+            </a:extLst>
+          </p:cNvPr>
+          <p:cNvSpPr/>
+          <p:nvPr/>
+        </p:nvSpPr>
+        <p:spPr>
+          <a:xfrm>
+            <a:off x="3519061" y="3477504"/>
+            <a:ext cx="138545" cy="138545"/>
+          </a:xfrm>
+          <a:prstGeom prst="ellipse">
+            <a:avLst/>
+          </a:prstGeom>
+        </p:spPr>
+        <p:style>
+          <a:lnRef idx="2">
+            <a:schemeClr val="accent1">
+              <a:shade val="50000"/>
+            </a:schemeClr>
+          </a:lnRef>
+          <a:fillRef idx="1">
+            <a:schemeClr val="accent1"/>
+          </a:fillRef>
+          <a:effectRef idx="0">
+            <a:schemeClr val="accent1"/>
+          </a:effectRef>
+          <a:fontRef idx="minor">
+            <a:schemeClr val="lt1"/>
+          </a:fontRef>
+        </p:style>
+        <p:txBody>
+          <a:bodyPr rtlCol="0" anchor="ctr"/>
+          <a:lstStyle/>
+          <a:p>
+            <a:pPr algn="ctr"/>
+            <a:endParaRPr lang="en-US"/>
+          </a:p>
+        </p:txBody>
+      </p:sp>
+      <p:sp>
+        <p:nvSpPr>
+          <p:cNvPr id="41" name="Oval 40">
+            <a:extLst>
+              <a:ext uri="{FF2B5EF4-FFF2-40B4-BE49-F238E27FC236}">
+                <a16:creationId xmlns:a16="http://schemas.microsoft.com/office/drawing/2014/main" id="{F608D553-CD1E-3C4E-9E77-72BB381111BB}"/>
+              </a:ext>
+            </a:extLst>
+          </p:cNvPr>
+          <p:cNvSpPr/>
+          <p:nvPr/>
+        </p:nvSpPr>
+        <p:spPr>
+          <a:xfrm>
+            <a:off x="4364187" y="3532915"/>
+            <a:ext cx="138545" cy="138545"/>
+          </a:xfrm>
+          <a:prstGeom prst="ellipse">
+            <a:avLst/>
+          </a:prstGeom>
+        </p:spPr>
+        <p:style>
+          <a:lnRef idx="2">
+            <a:schemeClr val="accent1">
+              <a:shade val="50000"/>
+            </a:schemeClr>
+          </a:lnRef>
+          <a:fillRef idx="1">
+            <a:schemeClr val="accent1"/>
+          </a:fillRef>
+          <a:effectRef idx="0">
+            <a:schemeClr val="accent1"/>
+          </a:effectRef>
+          <a:fontRef idx="minor">
+            <a:schemeClr val="lt1"/>
+          </a:fontRef>
+        </p:style>
+        <p:txBody>
+          <a:bodyPr rtlCol="0" anchor="ctr"/>
+          <a:lstStyle/>
+          <a:p>
+            <a:pPr algn="ctr"/>
+            <a:endParaRPr lang="en-US"/>
+          </a:p>
+        </p:txBody>
+      </p:sp>
       <p:cxnSp>
         <p:nvCxnSpPr>
-          <p:cNvPr id="14" name="Straight Arrow Connector 13">
-            <a:extLst>
-              <a:ext uri="{FF2B5EF4-FFF2-40B4-BE49-F238E27FC236}">
-                <a16:creationId xmlns:a16="http://schemas.microsoft.com/office/drawing/2014/main" id="{C2CC9333-8C02-F64E-AED4-F25D3E82B690}"/>
+          <p:cNvPr id="10" name="Straight Connector 9">
+            <a:extLst>
+              <a:ext uri="{FF2B5EF4-FFF2-40B4-BE49-F238E27FC236}">
+                <a16:creationId xmlns:a16="http://schemas.microsoft.com/office/drawing/2014/main" id="{9210C7FD-524F-7F49-AC6A-D75E44220E7C}"/>
+              </a:ext>
+            </a:extLst>
+          </p:cNvPr>
+          <p:cNvCxnSpPr>
+            <a:endCxn id="8" idx="1"/>
+          </p:cNvCxnSpPr>
+          <p:nvPr/>
+        </p:nvCxnSpPr>
+        <p:spPr>
+          <a:xfrm>
+            <a:off x="1413164" y="1454727"/>
+            <a:ext cx="269671" cy="671453"/>
+          </a:xfrm>
+          <a:prstGeom prst="line">
+            <a:avLst/>
+          </a:prstGeom>
+        </p:spPr>
+        <p:style>
+          <a:lnRef idx="1">
+            <a:schemeClr val="accent1"/>
+          </a:lnRef>
+          <a:fillRef idx="0">
+            <a:schemeClr val="accent1"/>
+          </a:fillRef>
+          <a:effectRef idx="0">
+            <a:schemeClr val="accent1"/>
+          </a:effectRef>
+          <a:fontRef idx="minor">
+            <a:schemeClr val="tx1"/>
+          </a:fontRef>
+        </p:style>
+      </p:cxnSp>
+      <p:cxnSp>
+        <p:nvCxnSpPr>
+          <p:cNvPr id="12" name="Straight Connector 11">
+            <a:extLst>
+              <a:ext uri="{FF2B5EF4-FFF2-40B4-BE49-F238E27FC236}">
+                <a16:creationId xmlns:a16="http://schemas.microsoft.com/office/drawing/2014/main" id="{B6BF9888-8A9D-E74E-9A13-01A10BD756F4}"/>
+              </a:ext>
+            </a:extLst>
+          </p:cNvPr>
+          <p:cNvCxnSpPr>
+            <a:stCxn id="8" idx="4"/>
+            <a:endCxn id="38" idx="1"/>
+          </p:cNvCxnSpPr>
+          <p:nvPr/>
+        </p:nvCxnSpPr>
+        <p:spPr>
+          <a:xfrm>
+            <a:off x="1731819" y="2244436"/>
+            <a:ext cx="325094" cy="532910"/>
+          </a:xfrm>
+          <a:prstGeom prst="line">
+            <a:avLst/>
+          </a:prstGeom>
+        </p:spPr>
+        <p:style>
+          <a:lnRef idx="1">
+            <a:schemeClr val="accent1"/>
+          </a:lnRef>
+          <a:fillRef idx="0">
+            <a:schemeClr val="accent1"/>
+          </a:fillRef>
+          <a:effectRef idx="0">
+            <a:schemeClr val="accent1"/>
+          </a:effectRef>
+          <a:fontRef idx="minor">
+            <a:schemeClr val="tx1"/>
+          </a:fontRef>
+        </p:style>
+      </p:cxnSp>
+      <p:cxnSp>
+        <p:nvCxnSpPr>
+          <p:cNvPr id="16" name="Straight Connector 15">
+            <a:extLst>
+              <a:ext uri="{FF2B5EF4-FFF2-40B4-BE49-F238E27FC236}">
+                <a16:creationId xmlns:a16="http://schemas.microsoft.com/office/drawing/2014/main" id="{8C685462-F582-7E4C-95BD-EC9FEC2B2386}"/>
+              </a:ext>
+            </a:extLst>
+          </p:cNvPr>
+          <p:cNvCxnSpPr>
+            <a:cxnSpLocks/>
+            <a:stCxn id="38" idx="5"/>
+            <a:endCxn id="39" idx="1"/>
+          </p:cNvCxnSpPr>
+          <p:nvPr/>
+        </p:nvCxnSpPr>
+        <p:spPr>
+          <a:xfrm>
+            <a:off x="2154880" y="2875313"/>
+            <a:ext cx="470072" cy="386942"/>
+          </a:xfrm>
+          <a:prstGeom prst="line">
+            <a:avLst/>
+          </a:prstGeom>
+        </p:spPr>
+        <p:style>
+          <a:lnRef idx="1">
+            <a:schemeClr val="accent1"/>
+          </a:lnRef>
+          <a:fillRef idx="0">
+            <a:schemeClr val="accent1"/>
+          </a:fillRef>
+          <a:effectRef idx="0">
+            <a:schemeClr val="accent1"/>
+          </a:effectRef>
+          <a:fontRef idx="minor">
+            <a:schemeClr val="tx1"/>
+          </a:fontRef>
+        </p:style>
+      </p:cxnSp>
+      <p:cxnSp>
+        <p:nvCxnSpPr>
+          <p:cNvPr id="43" name="Straight Connector 42">
+            <a:extLst>
+              <a:ext uri="{FF2B5EF4-FFF2-40B4-BE49-F238E27FC236}">
+                <a16:creationId xmlns:a16="http://schemas.microsoft.com/office/drawing/2014/main" id="{C653B135-D10D-534A-93FC-8AE02E761201}"/>
+              </a:ext>
+            </a:extLst>
+          </p:cNvPr>
+          <p:cNvCxnSpPr>
+            <a:cxnSpLocks/>
+            <a:stCxn id="39" idx="5"/>
+            <a:endCxn id="40" idx="2"/>
+          </p:cNvCxnSpPr>
+          <p:nvPr/>
+        </p:nvCxnSpPr>
+        <p:spPr>
+          <a:xfrm>
+            <a:off x="2722919" y="3360222"/>
+            <a:ext cx="796142" cy="186555"/>
+          </a:xfrm>
+          <a:prstGeom prst="line">
+            <a:avLst/>
+          </a:prstGeom>
+        </p:spPr>
+        <p:style>
+          <a:lnRef idx="1">
+            <a:schemeClr val="accent1"/>
+          </a:lnRef>
+          <a:fillRef idx="0">
+            <a:schemeClr val="accent1"/>
+          </a:fillRef>
+          <a:effectRef idx="0">
+            <a:schemeClr val="accent1"/>
+          </a:effectRef>
+          <a:fontRef idx="minor">
+            <a:schemeClr val="tx1"/>
+          </a:fontRef>
+        </p:style>
+      </p:cxnSp>
+      <p:cxnSp>
+        <p:nvCxnSpPr>
+          <p:cNvPr id="45" name="Straight Connector 44">
+            <a:extLst>
+              <a:ext uri="{FF2B5EF4-FFF2-40B4-BE49-F238E27FC236}">
+                <a16:creationId xmlns:a16="http://schemas.microsoft.com/office/drawing/2014/main" id="{56C8C6DC-6EDE-1144-A686-C1795B62601C}"/>
+              </a:ext>
+            </a:extLst>
+          </p:cNvPr>
+          <p:cNvCxnSpPr>
+            <a:stCxn id="40" idx="6"/>
+            <a:endCxn id="41" idx="2"/>
+          </p:cNvCxnSpPr>
+          <p:nvPr/>
+        </p:nvCxnSpPr>
+        <p:spPr>
+          <a:xfrm>
+            <a:off x="3657606" y="3546777"/>
+            <a:ext cx="706581" cy="55411"/>
+          </a:xfrm>
+          <a:prstGeom prst="line">
+            <a:avLst/>
+          </a:prstGeom>
+        </p:spPr>
+        <p:style>
+          <a:lnRef idx="1">
+            <a:schemeClr val="accent1"/>
+          </a:lnRef>
+          <a:fillRef idx="0">
+            <a:schemeClr val="accent1"/>
+          </a:fillRef>
+          <a:effectRef idx="0">
+            <a:schemeClr val="accent1"/>
+          </a:effectRef>
+          <a:fontRef idx="minor">
+            <a:schemeClr val="tx1"/>
+          </a:fontRef>
+        </p:style>
+      </p:cxnSp>
+      <p:cxnSp>
+        <p:nvCxnSpPr>
+          <p:cNvPr id="51" name="Straight Arrow Connector 50">
+            <a:extLst>
+              <a:ext uri="{FF2B5EF4-FFF2-40B4-BE49-F238E27FC236}">
+                <a16:creationId xmlns:a16="http://schemas.microsoft.com/office/drawing/2014/main" id="{E782066D-A0FC-B642-B2B0-4852E5D7E4F4}"/>
               </a:ext>
             </a:extLst>
           </p:cNvPr>
@@ -22941,17 +21710,14 @@
           <p:nvPr/>
         </p:nvCxnSpPr>
         <p:spPr>
-          <a:xfrm flipV="1">
-            <a:off x="1302327" y="1842654"/>
-            <a:ext cx="0" cy="2452255"/>
+          <a:xfrm flipH="1">
+            <a:off x="2826327" y="2535381"/>
+            <a:ext cx="484909" cy="595746"/>
           </a:xfrm>
           <a:prstGeom prst="straightConnector1">
             <a:avLst/>
           </a:prstGeom>
           <a:ln>
-            <a:solidFill>
-              <a:schemeClr val="tx1"/>
-            </a:solidFill>
             <a:tailEnd type="triangle"/>
           </a:ln>
         </p:spPr>
@@ -22970,56 +21736,12 @@
           </a:fontRef>
         </p:style>
       </p:cxnSp>
-      <p:cxnSp>
-        <p:nvCxnSpPr>
-          <p:cNvPr id="15" name="Straight Arrow Connector 14">
-            <a:extLst>
-              <a:ext uri="{FF2B5EF4-FFF2-40B4-BE49-F238E27FC236}">
-                <a16:creationId xmlns:a16="http://schemas.microsoft.com/office/drawing/2014/main" id="{86811EA8-2988-9F42-80FE-C12393149D47}"/>
-              </a:ext>
-            </a:extLst>
-          </p:cNvPr>
-          <p:cNvCxnSpPr>
-            <a:cxnSpLocks/>
-          </p:cNvCxnSpPr>
-          <p:nvPr/>
-        </p:nvCxnSpPr>
-        <p:spPr>
-          <a:xfrm flipV="1">
-            <a:off x="1302327" y="4294909"/>
-            <a:ext cx="3588328" cy="1"/>
-          </a:xfrm>
-          <a:prstGeom prst="straightConnector1">
-            <a:avLst/>
-          </a:prstGeom>
-          <a:ln>
-            <a:solidFill>
-              <a:schemeClr val="tx1"/>
-            </a:solidFill>
-            <a:tailEnd type="triangle"/>
-          </a:ln>
-        </p:spPr>
-        <p:style>
-          <a:lnRef idx="1">
-            <a:schemeClr val="dk1"/>
-          </a:lnRef>
-          <a:fillRef idx="0">
-            <a:schemeClr val="dk1"/>
-          </a:fillRef>
-          <a:effectRef idx="0">
-            <a:schemeClr val="dk1"/>
-          </a:effectRef>
-          <a:fontRef idx="minor">
-            <a:schemeClr val="tx1"/>
-          </a:fontRef>
-        </p:style>
-      </p:cxnSp>
-      <p:sp>
-        <p:nvSpPr>
-          <p:cNvPr id="33" name="TextBox 32">
-            <a:extLst>
-              <a:ext uri="{FF2B5EF4-FFF2-40B4-BE49-F238E27FC236}">
-                <a16:creationId xmlns:a16="http://schemas.microsoft.com/office/drawing/2014/main" id="{D1B9EBC7-C681-964D-B782-D6E5CE0DC6BE}"/>
+      <p:sp>
+        <p:nvSpPr>
+          <p:cNvPr id="52" name="TextBox 51">
+            <a:extLst>
+              <a:ext uri="{FF2B5EF4-FFF2-40B4-BE49-F238E27FC236}">
+                <a16:creationId xmlns:a16="http://schemas.microsoft.com/office/drawing/2014/main" id="{C830A1ED-7CE4-6443-9224-A12121CAEDB8}"/>
               </a:ext>
             </a:extLst>
           </p:cNvPr>
@@ -23028,16 +21750,13 @@
         </p:nvSpPr>
         <p:spPr>
           <a:xfrm>
-            <a:off x="4627418" y="4336473"/>
-            <a:ext cx="304800" cy="369332"/>
+            <a:off x="3297382" y="2216727"/>
+            <a:ext cx="1676400" cy="369332"/>
           </a:xfrm>
           <a:prstGeom prst="rect">
             <a:avLst/>
           </a:prstGeom>
           <a:noFill/>
-          <a:ln>
-            <a:noFill/>
-          </a:ln>
         </p:spPr>
         <p:txBody>
           <a:bodyPr wrap="square" rtlCol="0">
@@ -23047,67 +21766,29 @@
           <a:p>
             <a:r>
               <a:rPr lang="en-US" dirty="0"/>
-              <a:t>k</a:t>
-            </a:r>
-          </a:p>
-        </p:txBody>
-      </p:sp>
-      <p:sp>
-        <p:nvSpPr>
-          <p:cNvPr id="34" name="TextBox 33">
-            <a:extLst>
-              <a:ext uri="{FF2B5EF4-FFF2-40B4-BE49-F238E27FC236}">
-                <a16:creationId xmlns:a16="http://schemas.microsoft.com/office/drawing/2014/main" id="{ECA4D66C-8753-E74D-994F-14B6C37AFF3C}"/>
-              </a:ext>
-            </a:extLst>
-          </p:cNvPr>
-          <p:cNvSpPr txBox="1"/>
-          <p:nvPr/>
-        </p:nvSpPr>
-        <p:spPr>
-          <a:xfrm rot="16200000">
-            <a:off x="-41564" y="1997472"/>
-            <a:ext cx="1870365" cy="646331"/>
+              <a:t>Choose this k!</a:t>
+            </a:r>
+          </a:p>
+        </p:txBody>
+      </p:sp>
+      <p:sp>
+        <p:nvSpPr>
+          <p:cNvPr id="53" name="Rectangle 52">
+            <a:extLst>
+              <a:ext uri="{FF2B5EF4-FFF2-40B4-BE49-F238E27FC236}">
+                <a16:creationId xmlns:a16="http://schemas.microsoft.com/office/drawing/2014/main" id="{C0777544-882C-B44B-8A39-281CBBD6C48F}"/>
+              </a:ext>
+            </a:extLst>
+          </p:cNvPr>
+          <p:cNvSpPr/>
+          <p:nvPr/>
+        </p:nvSpPr>
+        <p:spPr>
+          <a:xfrm>
+            <a:off x="6871855" y="2098963"/>
+            <a:ext cx="3740727" cy="831273"/>
           </a:xfrm>
           <a:prstGeom prst="rect">
-            <a:avLst/>
-          </a:prstGeom>
-          <a:noFill/>
-          <a:ln>
-            <a:noFill/>
-          </a:ln>
-        </p:spPr>
-        <p:txBody>
-          <a:bodyPr wrap="square" rtlCol="0">
-            <a:spAutoFit/>
-          </a:bodyPr>
-          <a:lstStyle/>
-          <a:p>
-            <a:r>
-              <a:rPr lang="en-US" dirty="0"/>
-              <a:t>Cluster heterogeneity</a:t>
-            </a:r>
-          </a:p>
-        </p:txBody>
-      </p:sp>
-      <p:sp>
-        <p:nvSpPr>
-          <p:cNvPr id="8" name="Oval 7">
-            <a:extLst>
-              <a:ext uri="{FF2B5EF4-FFF2-40B4-BE49-F238E27FC236}">
-                <a16:creationId xmlns:a16="http://schemas.microsoft.com/office/drawing/2014/main" id="{F3B1A592-C458-0C43-A3F1-F3D981BD08E1}"/>
-              </a:ext>
-            </a:extLst>
-          </p:cNvPr>
-          <p:cNvSpPr/>
-          <p:nvPr/>
-        </p:nvSpPr>
-        <p:spPr>
-          <a:xfrm>
-            <a:off x="1565564" y="2604655"/>
-            <a:ext cx="138545" cy="138545"/>
-          </a:xfrm>
-          <a:prstGeom prst="ellipse">
             <a:avLst/>
           </a:prstGeom>
         </p:spPr>
@@ -23132,435 +21813,19 @@
           <a:lstStyle/>
           <a:p>
             <a:pPr algn="ctr"/>
-            <a:endParaRPr lang="en-US"/>
-          </a:p>
-        </p:txBody>
-      </p:sp>
-      <p:sp>
-        <p:nvSpPr>
-          <p:cNvPr id="38" name="Oval 37">
-            <a:extLst>
-              <a:ext uri="{FF2B5EF4-FFF2-40B4-BE49-F238E27FC236}">
-                <a16:creationId xmlns:a16="http://schemas.microsoft.com/office/drawing/2014/main" id="{CD2AB236-1D22-8140-B5A9-65EC762660C5}"/>
-              </a:ext>
-            </a:extLst>
-          </p:cNvPr>
-          <p:cNvSpPr/>
-          <p:nvPr/>
-        </p:nvSpPr>
-        <p:spPr>
-          <a:xfrm>
-            <a:off x="1939642" y="3255821"/>
-            <a:ext cx="138545" cy="138545"/>
-          </a:xfrm>
-          <a:prstGeom prst="ellipse">
-            <a:avLst/>
-          </a:prstGeom>
-        </p:spPr>
-        <p:style>
-          <a:lnRef idx="2">
-            <a:schemeClr val="accent1">
-              <a:shade val="50000"/>
-            </a:schemeClr>
-          </a:lnRef>
-          <a:fillRef idx="1">
-            <a:schemeClr val="accent1"/>
-          </a:fillRef>
-          <a:effectRef idx="0">
-            <a:schemeClr val="accent1"/>
-          </a:effectRef>
-          <a:fontRef idx="minor">
-            <a:schemeClr val="lt1"/>
-          </a:fontRef>
-        </p:style>
-        <p:txBody>
-          <a:bodyPr rtlCol="0" anchor="ctr"/>
-          <a:lstStyle/>
-          <a:p>
-            <a:pPr algn="ctr"/>
-            <a:endParaRPr lang="en-US"/>
-          </a:p>
-        </p:txBody>
-      </p:sp>
-      <p:sp>
-        <p:nvSpPr>
-          <p:cNvPr id="39" name="Oval 38">
-            <a:extLst>
-              <a:ext uri="{FF2B5EF4-FFF2-40B4-BE49-F238E27FC236}">
-                <a16:creationId xmlns:a16="http://schemas.microsoft.com/office/drawing/2014/main" id="{FDC10741-B066-FC41-B6FE-FBB661E7D11C}"/>
-              </a:ext>
-            </a:extLst>
-          </p:cNvPr>
-          <p:cNvSpPr/>
-          <p:nvPr/>
-        </p:nvSpPr>
-        <p:spPr>
-          <a:xfrm>
-            <a:off x="2507681" y="3740730"/>
-            <a:ext cx="138545" cy="138545"/>
-          </a:xfrm>
-          <a:prstGeom prst="ellipse">
-            <a:avLst/>
-          </a:prstGeom>
-        </p:spPr>
-        <p:style>
-          <a:lnRef idx="2">
-            <a:schemeClr val="accent1">
-              <a:shade val="50000"/>
-            </a:schemeClr>
-          </a:lnRef>
-          <a:fillRef idx="1">
-            <a:schemeClr val="accent1"/>
-          </a:fillRef>
-          <a:effectRef idx="0">
-            <a:schemeClr val="accent1"/>
-          </a:effectRef>
-          <a:fontRef idx="minor">
-            <a:schemeClr val="lt1"/>
-          </a:fontRef>
-        </p:style>
-        <p:txBody>
-          <a:bodyPr rtlCol="0" anchor="ctr"/>
-          <a:lstStyle/>
-          <a:p>
-            <a:pPr algn="ctr"/>
-            <a:endParaRPr lang="en-US"/>
-          </a:p>
-        </p:txBody>
-      </p:sp>
-      <p:sp>
-        <p:nvSpPr>
-          <p:cNvPr id="40" name="Oval 39">
-            <a:extLst>
-              <a:ext uri="{FF2B5EF4-FFF2-40B4-BE49-F238E27FC236}">
-                <a16:creationId xmlns:a16="http://schemas.microsoft.com/office/drawing/2014/main" id="{64D2E1DF-3358-C442-94CC-387A864343AB}"/>
-              </a:ext>
-            </a:extLst>
-          </p:cNvPr>
-          <p:cNvSpPr/>
-          <p:nvPr/>
-        </p:nvSpPr>
-        <p:spPr>
-          <a:xfrm>
-            <a:off x="3422079" y="3976268"/>
-            <a:ext cx="138545" cy="138545"/>
-          </a:xfrm>
-          <a:prstGeom prst="ellipse">
-            <a:avLst/>
-          </a:prstGeom>
-        </p:spPr>
-        <p:style>
-          <a:lnRef idx="2">
-            <a:schemeClr val="accent1">
-              <a:shade val="50000"/>
-            </a:schemeClr>
-          </a:lnRef>
-          <a:fillRef idx="1">
-            <a:schemeClr val="accent1"/>
-          </a:fillRef>
-          <a:effectRef idx="0">
-            <a:schemeClr val="accent1"/>
-          </a:effectRef>
-          <a:fontRef idx="minor">
-            <a:schemeClr val="lt1"/>
-          </a:fontRef>
-        </p:style>
-        <p:txBody>
-          <a:bodyPr rtlCol="0" anchor="ctr"/>
-          <a:lstStyle/>
-          <a:p>
-            <a:pPr algn="ctr"/>
-            <a:endParaRPr lang="en-US"/>
-          </a:p>
-        </p:txBody>
-      </p:sp>
-      <p:sp>
-        <p:nvSpPr>
-          <p:cNvPr id="41" name="Oval 40">
-            <a:extLst>
-              <a:ext uri="{FF2B5EF4-FFF2-40B4-BE49-F238E27FC236}">
-                <a16:creationId xmlns:a16="http://schemas.microsoft.com/office/drawing/2014/main" id="{F608D553-CD1E-3C4E-9E77-72BB381111BB}"/>
-              </a:ext>
-            </a:extLst>
-          </p:cNvPr>
-          <p:cNvSpPr/>
-          <p:nvPr/>
-        </p:nvSpPr>
-        <p:spPr>
-          <a:xfrm>
-            <a:off x="4267205" y="4031679"/>
-            <a:ext cx="138545" cy="138545"/>
-          </a:xfrm>
-          <a:prstGeom prst="ellipse">
-            <a:avLst/>
-          </a:prstGeom>
-        </p:spPr>
-        <p:style>
-          <a:lnRef idx="2">
-            <a:schemeClr val="accent1">
-              <a:shade val="50000"/>
-            </a:schemeClr>
-          </a:lnRef>
-          <a:fillRef idx="1">
-            <a:schemeClr val="accent1"/>
-          </a:fillRef>
-          <a:effectRef idx="0">
-            <a:schemeClr val="accent1"/>
-          </a:effectRef>
-          <a:fontRef idx="minor">
-            <a:schemeClr val="lt1"/>
-          </a:fontRef>
-        </p:style>
-        <p:txBody>
-          <a:bodyPr rtlCol="0" anchor="ctr"/>
-          <a:lstStyle/>
-          <a:p>
-            <a:pPr algn="ctr"/>
-            <a:endParaRPr lang="en-US"/>
-          </a:p>
-        </p:txBody>
-      </p:sp>
-      <p:cxnSp>
-        <p:nvCxnSpPr>
-          <p:cNvPr id="10" name="Straight Connector 9">
-            <a:extLst>
-              <a:ext uri="{FF2B5EF4-FFF2-40B4-BE49-F238E27FC236}">
-                <a16:creationId xmlns:a16="http://schemas.microsoft.com/office/drawing/2014/main" id="{9210C7FD-524F-7F49-AC6A-D75E44220E7C}"/>
-              </a:ext>
-            </a:extLst>
-          </p:cNvPr>
-          <p:cNvCxnSpPr>
-            <a:endCxn id="8" idx="1"/>
-          </p:cNvCxnSpPr>
-          <p:nvPr/>
-        </p:nvCxnSpPr>
-        <p:spPr>
-          <a:xfrm>
-            <a:off x="1316182" y="1953491"/>
-            <a:ext cx="269671" cy="671453"/>
-          </a:xfrm>
-          <a:prstGeom prst="line">
-            <a:avLst/>
-          </a:prstGeom>
-        </p:spPr>
-        <p:style>
-          <a:lnRef idx="1">
-            <a:schemeClr val="accent1"/>
-          </a:lnRef>
-          <a:fillRef idx="0">
-            <a:schemeClr val="accent1"/>
-          </a:fillRef>
-          <a:effectRef idx="0">
-            <a:schemeClr val="accent1"/>
-          </a:effectRef>
-          <a:fontRef idx="minor">
-            <a:schemeClr val="tx1"/>
-          </a:fontRef>
-        </p:style>
-      </p:cxnSp>
-      <p:cxnSp>
-        <p:nvCxnSpPr>
-          <p:cNvPr id="12" name="Straight Connector 11">
-            <a:extLst>
-              <a:ext uri="{FF2B5EF4-FFF2-40B4-BE49-F238E27FC236}">
-                <a16:creationId xmlns:a16="http://schemas.microsoft.com/office/drawing/2014/main" id="{B6BF9888-8A9D-E74E-9A13-01A10BD756F4}"/>
-              </a:ext>
-            </a:extLst>
-          </p:cNvPr>
-          <p:cNvCxnSpPr>
-            <a:stCxn id="8" idx="4"/>
-            <a:endCxn id="38" idx="1"/>
-          </p:cNvCxnSpPr>
-          <p:nvPr/>
-        </p:nvCxnSpPr>
-        <p:spPr>
-          <a:xfrm>
-            <a:off x="1634837" y="2743200"/>
-            <a:ext cx="325094" cy="532910"/>
-          </a:xfrm>
-          <a:prstGeom prst="line">
-            <a:avLst/>
-          </a:prstGeom>
-        </p:spPr>
-        <p:style>
-          <a:lnRef idx="1">
-            <a:schemeClr val="accent1"/>
-          </a:lnRef>
-          <a:fillRef idx="0">
-            <a:schemeClr val="accent1"/>
-          </a:fillRef>
-          <a:effectRef idx="0">
-            <a:schemeClr val="accent1"/>
-          </a:effectRef>
-          <a:fontRef idx="minor">
-            <a:schemeClr val="tx1"/>
-          </a:fontRef>
-        </p:style>
-      </p:cxnSp>
-      <p:cxnSp>
-        <p:nvCxnSpPr>
-          <p:cNvPr id="16" name="Straight Connector 15">
-            <a:extLst>
-              <a:ext uri="{FF2B5EF4-FFF2-40B4-BE49-F238E27FC236}">
-                <a16:creationId xmlns:a16="http://schemas.microsoft.com/office/drawing/2014/main" id="{8C685462-F582-7E4C-95BD-EC9FEC2B2386}"/>
-              </a:ext>
-            </a:extLst>
-          </p:cNvPr>
-          <p:cNvCxnSpPr>
-            <a:cxnSpLocks/>
-            <a:stCxn id="38" idx="5"/>
-            <a:endCxn id="39" idx="1"/>
-          </p:cNvCxnSpPr>
-          <p:nvPr/>
-        </p:nvCxnSpPr>
-        <p:spPr>
-          <a:xfrm>
-            <a:off x="2057898" y="3374077"/>
-            <a:ext cx="470072" cy="386942"/>
-          </a:xfrm>
-          <a:prstGeom prst="line">
-            <a:avLst/>
-          </a:prstGeom>
-        </p:spPr>
-        <p:style>
-          <a:lnRef idx="1">
-            <a:schemeClr val="accent1"/>
-          </a:lnRef>
-          <a:fillRef idx="0">
-            <a:schemeClr val="accent1"/>
-          </a:fillRef>
-          <a:effectRef idx="0">
-            <a:schemeClr val="accent1"/>
-          </a:effectRef>
-          <a:fontRef idx="minor">
-            <a:schemeClr val="tx1"/>
-          </a:fontRef>
-        </p:style>
-      </p:cxnSp>
-      <p:cxnSp>
-        <p:nvCxnSpPr>
-          <p:cNvPr id="43" name="Straight Connector 42">
-            <a:extLst>
-              <a:ext uri="{FF2B5EF4-FFF2-40B4-BE49-F238E27FC236}">
-                <a16:creationId xmlns:a16="http://schemas.microsoft.com/office/drawing/2014/main" id="{C653B135-D10D-534A-93FC-8AE02E761201}"/>
-              </a:ext>
-            </a:extLst>
-          </p:cNvPr>
-          <p:cNvCxnSpPr>
-            <a:cxnSpLocks/>
-            <a:stCxn id="39" idx="5"/>
-            <a:endCxn id="40" idx="2"/>
-          </p:cNvCxnSpPr>
-          <p:nvPr/>
-        </p:nvCxnSpPr>
-        <p:spPr>
-          <a:xfrm>
-            <a:off x="2625937" y="3858986"/>
-            <a:ext cx="796142" cy="186555"/>
-          </a:xfrm>
-          <a:prstGeom prst="line">
-            <a:avLst/>
-          </a:prstGeom>
-        </p:spPr>
-        <p:style>
-          <a:lnRef idx="1">
-            <a:schemeClr val="accent1"/>
-          </a:lnRef>
-          <a:fillRef idx="0">
-            <a:schemeClr val="accent1"/>
-          </a:fillRef>
-          <a:effectRef idx="0">
-            <a:schemeClr val="accent1"/>
-          </a:effectRef>
-          <a:fontRef idx="minor">
-            <a:schemeClr val="tx1"/>
-          </a:fontRef>
-        </p:style>
-      </p:cxnSp>
-      <p:cxnSp>
-        <p:nvCxnSpPr>
-          <p:cNvPr id="45" name="Straight Connector 44">
-            <a:extLst>
-              <a:ext uri="{FF2B5EF4-FFF2-40B4-BE49-F238E27FC236}">
-                <a16:creationId xmlns:a16="http://schemas.microsoft.com/office/drawing/2014/main" id="{56C8C6DC-6EDE-1144-A686-C1795B62601C}"/>
-              </a:ext>
-            </a:extLst>
-          </p:cNvPr>
-          <p:cNvCxnSpPr>
-            <a:stCxn id="40" idx="6"/>
-            <a:endCxn id="41" idx="2"/>
-          </p:cNvCxnSpPr>
-          <p:nvPr/>
-        </p:nvCxnSpPr>
-        <p:spPr>
-          <a:xfrm>
-            <a:off x="3560624" y="4045541"/>
-            <a:ext cx="706581" cy="55411"/>
-          </a:xfrm>
-          <a:prstGeom prst="line">
-            <a:avLst/>
-          </a:prstGeom>
-        </p:spPr>
-        <p:style>
-          <a:lnRef idx="1">
-            <a:schemeClr val="accent1"/>
-          </a:lnRef>
-          <a:fillRef idx="0">
-            <a:schemeClr val="accent1"/>
-          </a:fillRef>
-          <a:effectRef idx="0">
-            <a:schemeClr val="accent1"/>
-          </a:effectRef>
-          <a:fontRef idx="minor">
-            <a:schemeClr val="tx1"/>
-          </a:fontRef>
-        </p:style>
-      </p:cxnSp>
-      <p:cxnSp>
-        <p:nvCxnSpPr>
-          <p:cNvPr id="51" name="Straight Arrow Connector 50">
-            <a:extLst>
-              <a:ext uri="{FF2B5EF4-FFF2-40B4-BE49-F238E27FC236}">
-                <a16:creationId xmlns:a16="http://schemas.microsoft.com/office/drawing/2014/main" id="{E782066D-A0FC-B642-B2B0-4852E5D7E4F4}"/>
-              </a:ext>
-            </a:extLst>
-          </p:cNvPr>
-          <p:cNvCxnSpPr/>
-          <p:nvPr/>
-        </p:nvCxnSpPr>
-        <p:spPr>
-          <a:xfrm flipH="1">
-            <a:off x="2729345" y="3034145"/>
-            <a:ext cx="484909" cy="595746"/>
-          </a:xfrm>
-          <a:prstGeom prst="straightConnector1">
-            <a:avLst/>
-          </a:prstGeom>
-          <a:ln>
-            <a:tailEnd type="triangle"/>
-          </a:ln>
-        </p:spPr>
-        <p:style>
-          <a:lnRef idx="1">
-            <a:schemeClr val="dk1"/>
-          </a:lnRef>
-          <a:fillRef idx="0">
-            <a:schemeClr val="dk1"/>
-          </a:fillRef>
-          <a:effectRef idx="0">
-            <a:schemeClr val="dk1"/>
-          </a:effectRef>
-          <a:fontRef idx="minor">
-            <a:schemeClr val="tx1"/>
-          </a:fontRef>
-        </p:style>
-      </p:cxnSp>
-      <p:sp>
-        <p:nvSpPr>
-          <p:cNvPr id="52" name="TextBox 51">
-            <a:extLst>
-              <a:ext uri="{FF2B5EF4-FFF2-40B4-BE49-F238E27FC236}">
-                <a16:creationId xmlns:a16="http://schemas.microsoft.com/office/drawing/2014/main" id="{C830A1ED-7CE4-6443-9224-A12121CAEDB8}"/>
+            <a:r>
+              <a:rPr lang="en-US" dirty="0"/>
+              <a:t>There is no right answer, this is just a heuristic</a:t>
+            </a:r>
+          </a:p>
+        </p:txBody>
+      </p:sp>
+      <p:sp>
+        <p:nvSpPr>
+          <p:cNvPr id="3" name="TextBox 2">
+            <a:extLst>
+              <a:ext uri="{FF2B5EF4-FFF2-40B4-BE49-F238E27FC236}">
+                <a16:creationId xmlns:a16="http://schemas.microsoft.com/office/drawing/2014/main" id="{9ADAB8DC-3A3D-9141-81D5-78D0ABC379D7}"/>
               </a:ext>
             </a:extLst>
           </p:cNvPr>
@@ -23569,8 +21834,8 @@
         </p:nvSpPr>
         <p:spPr>
           <a:xfrm>
-            <a:off x="3200400" y="2715491"/>
-            <a:ext cx="1676400" cy="369332"/>
+            <a:off x="290945" y="4045527"/>
+            <a:ext cx="11901055" cy="2123658"/>
           </a:xfrm>
           <a:prstGeom prst="rect">
             <a:avLst/>
@@ -23584,58 +21849,37 @@
           <a:lstStyle/>
           <a:p>
             <a:r>
+              <a:rPr lang="en-US" sz="2400" b="1" dirty="0"/>
+              <a:t>Importantly : </a:t>
+            </a:r>
+          </a:p>
+          <a:p>
+            <a:r>
               <a:rPr lang="en-US" dirty="0"/>
-              <a:t>Choose this k!</a:t>
-            </a:r>
-          </a:p>
-        </p:txBody>
-      </p:sp>
-      <p:sp>
-        <p:nvSpPr>
-          <p:cNvPr id="53" name="Rectangle 52">
-            <a:extLst>
-              <a:ext uri="{FF2B5EF4-FFF2-40B4-BE49-F238E27FC236}">
-                <a16:creationId xmlns:a16="http://schemas.microsoft.com/office/drawing/2014/main" id="{C0777544-882C-B44B-8A39-281CBBD6C48F}"/>
-              </a:ext>
-            </a:extLst>
-          </p:cNvPr>
-          <p:cNvSpPr/>
-          <p:nvPr/>
-        </p:nvSpPr>
-        <p:spPr>
-          <a:xfrm>
-            <a:off x="6774873" y="2597727"/>
-            <a:ext cx="3740727" cy="831273"/>
-          </a:xfrm>
-          <a:prstGeom prst="rect">
-            <a:avLst/>
-          </a:prstGeom>
-        </p:spPr>
-        <p:style>
-          <a:lnRef idx="2">
-            <a:schemeClr val="accent1">
-              <a:shade val="50000"/>
-            </a:schemeClr>
-          </a:lnRef>
-          <a:fillRef idx="1">
-            <a:schemeClr val="accent1"/>
-          </a:fillRef>
-          <a:effectRef idx="0">
-            <a:schemeClr val="accent1"/>
-          </a:effectRef>
-          <a:fontRef idx="minor">
-            <a:schemeClr val="lt1"/>
-          </a:fontRef>
-        </p:style>
-        <p:txBody>
-          <a:bodyPr rtlCol="0" anchor="ctr"/>
-          <a:lstStyle/>
-          <a:p>
-            <a:pPr algn="ctr"/>
+              <a:t>Because k-means aims to reduce the inertia  -&gt; k-means makes the assumption that clusters are convex and isotropic. </a:t>
+            </a:r>
+            <a:r>
+              <a:rPr lang="en-US" dirty="0">
+                <a:solidFill>
+                  <a:srgbClr val="C00000"/>
+                </a:solidFill>
+              </a:rPr>
+              <a:t>It responds poorly to elongated clusters, or manifolds with irregular shapes.</a:t>
+            </a:r>
+          </a:p>
+          <a:p>
+            <a:endParaRPr lang="en-US" dirty="0"/>
+          </a:p>
+          <a:p>
             <a:r>
               <a:rPr lang="en-US" dirty="0"/>
-              <a:t>There is no right answer, this is just a heuristic</a:t>
-            </a:r>
+              <a:t>Inertia is not a normalized metric: we just know that lower values are better and zero is optimal. But in very high-dimensional spaces, Euclidean distances tend to become inflated ( “curse of dimensionality”). Running a dimensionality reduction algorithm such as PCA prior to k-means clustering can alleviate this problem and speed up the computations.</a:t>
+            </a:r>
+            <a:endParaRPr lang="en-US" dirty="0">
+              <a:solidFill>
+                <a:srgbClr val="C00000"/>
+              </a:solidFill>
+            </a:endParaRPr>
           </a:p>
         </p:txBody>
       </p:sp>
@@ -23652,7 +21896,7 @@
 </p:sld>
 </file>
 
-<file path=ppt/slides/slide23.xml><?xml version="1.0" encoding="utf-8"?>
+<file path=ppt/slides/slide22.xml><?xml version="1.0" encoding="utf-8"?>
 <p:sld xmlns:a="http://schemas.openxmlformats.org/drawingml/2006/main" xmlns:r="http://schemas.openxmlformats.org/officeDocument/2006/relationships" xmlns:p="http://schemas.openxmlformats.org/presentationml/2006/main">
   <p:cSld>
     <p:spTree>
@@ -24033,7 +22277,7 @@
 </p:sld>
 </file>
 
-<file path=ppt/slides/slide24.xml><?xml version="1.0" encoding="utf-8"?>
+<file path=ppt/slides/slide23.xml><?xml version="1.0" encoding="utf-8"?>
 <p:sld xmlns:a="http://schemas.openxmlformats.org/drawingml/2006/main" xmlns:r="http://schemas.openxmlformats.org/officeDocument/2006/relationships" xmlns:p="http://schemas.openxmlformats.org/presentationml/2006/main">
   <p:cSld>
     <p:spTree>
